--- a/W10 JS apps - Arcadio Garcia/W10 JS apps.pptx
+++ b/W10 JS apps - Arcadio Garcia/W10 JS apps.pptx
@@ -9,18 +9,21 @@
     <p:sldMasterId id="2147484548" r:id="rId8"/>
   </p:sldMasterIdLst>
   <p:notesMasterIdLst>
-    <p:notesMasterId r:id="rId15"/>
+    <p:notesMasterId r:id="rId18"/>
   </p:notesMasterIdLst>
   <p:handoutMasterIdLst>
-    <p:handoutMasterId r:id="rId16"/>
+    <p:handoutMasterId r:id="rId19"/>
   </p:handoutMasterIdLst>
   <p:sldIdLst>
     <p:sldId id="332" r:id="rId9"/>
-    <p:sldId id="341" r:id="rId10"/>
-    <p:sldId id="342" r:id="rId11"/>
-    <p:sldId id="343" r:id="rId12"/>
+    <p:sldId id="346" r:id="rId10"/>
+    <p:sldId id="341" r:id="rId11"/>
+    <p:sldId id="342" r:id="rId12"/>
     <p:sldId id="344" r:id="rId13"/>
-    <p:sldId id="340" r:id="rId14"/>
+    <p:sldId id="343" r:id="rId14"/>
+    <p:sldId id="347" r:id="rId15"/>
+    <p:sldId id="345" r:id="rId16"/>
+    <p:sldId id="340" r:id="rId17"/>
   </p:sldIdLst>
   <p:sldSz cx="12436475" cy="6994525"/>
   <p:notesSz cx="6858000" cy="9144000"/>
@@ -125,10 +128,13 @@
         <p14:section name="Build 2015 Breakout Template" id="{D75A0D65-BF15-4822-BC6D-74C66FDCD9EE}">
           <p14:sldIdLst>
             <p14:sldId id="332"/>
+            <p14:sldId id="346"/>
             <p14:sldId id="341"/>
             <p14:sldId id="342"/>
+            <p14:sldId id="344"/>
             <p14:sldId id="343"/>
-            <p14:sldId id="344"/>
+            <p14:sldId id="347"/>
+            <p14:sldId id="345"/>
             <p14:sldId id="340"/>
           </p14:sldIdLst>
         </p14:section>
@@ -268,7 +274,7 @@
               <a:rPr lang="en-US" smtClean="0">
                 <a:latin typeface="Segoe UI" pitchFamily="34" charset="0"/>
               </a:rPr>
-              <a:t>8/9/2015 4:34 PM</a:t>
+              <a:t>10/23/2015 12:12 AM</a:t>
             </a:fld>
             <a:endParaRPr lang="en-US" dirty="0">
               <a:latin typeface="Segoe UI" pitchFamily="34" charset="0"/>
@@ -570,7 +576,7 @@
           <a:p>
             <a:fld id="{38EEC551-8CDA-4EB6-89BB-2A86C9F091C8}" type="datetime8">
               <a:rPr lang="en-US" smtClean="0"/>
-              <a:t>8/9/2015 4:34 PM</a:t>
+              <a:t>10/23/2015 12:12 AM</a:t>
             </a:fld>
             <a:endParaRPr lang="en-US" dirty="0"/>
           </a:p>
@@ -814,6 +820,1450 @@
     </a:lvl9pPr>
   </p:notesStyle>
 </p:notesMaster>
+</file>
+
+<file path=ppt/notesSlides/notesSlide1.xml><?xml version="1.0" encoding="utf-8"?>
+<p:notes xmlns:a="http://schemas.openxmlformats.org/drawingml/2006/main" xmlns:r="http://schemas.openxmlformats.org/officeDocument/2006/relationships" xmlns:p="http://schemas.openxmlformats.org/presentationml/2006/main">
+  <p:cSld>
+    <p:spTree>
+      <p:nvGrpSpPr>
+        <p:cNvPr id="1" name=""/>
+        <p:cNvGrpSpPr/>
+        <p:nvPr/>
+      </p:nvGrpSpPr>
+      <p:grpSpPr>
+        <a:xfrm>
+          <a:off x="0" y="0"/>
+          <a:ext cx="0" cy="0"/>
+          <a:chOff x="0" y="0"/>
+          <a:chExt cx="0" cy="0"/>
+        </a:xfrm>
+      </p:grpSpPr>
+      <p:sp>
+        <p:nvSpPr>
+          <p:cNvPr id="2" name="Slide Image Placeholder 1"/>
+          <p:cNvSpPr>
+            <a:spLocks noGrp="1" noRot="1" noChangeAspect="1"/>
+          </p:cNvSpPr>
+          <p:nvPr>
+            <p:ph type="sldImg"/>
+          </p:nvPr>
+        </p:nvSpPr>
+        <p:spPr/>
+      </p:sp>
+      <p:sp>
+        <p:nvSpPr>
+          <p:cNvPr id="3" name="Notes Placeholder 2"/>
+          <p:cNvSpPr>
+            <a:spLocks noGrp="1"/>
+          </p:cNvSpPr>
+          <p:nvPr>
+            <p:ph type="body" idx="1"/>
+          </p:nvPr>
+        </p:nvSpPr>
+        <p:spPr/>
+        <p:txBody>
+          <a:bodyPr/>
+          <a:lstStyle/>
+          <a:p>
+            <a:r>
+              <a:rPr lang="en-US" dirty="0" smtClean="0"/>
+              <a:t>Windows Insider-&gt;</a:t>
+            </a:r>
+            <a:r>
+              <a:rPr lang="en-US" dirty="0" err="1" smtClean="0"/>
+              <a:t>Desarrolo</a:t>
+            </a:r>
+            <a:r>
+              <a:rPr lang="en-US" dirty="0" smtClean="0"/>
+              <a:t> </a:t>
+            </a:r>
+            <a:r>
+              <a:rPr lang="en-US" dirty="0" err="1" smtClean="0"/>
+              <a:t>abierto</a:t>
+            </a:r>
+            <a:r>
+              <a:rPr lang="en-US" dirty="0" smtClean="0"/>
+              <a:t>, feedback</a:t>
+            </a:r>
+            <a:r>
+              <a:rPr lang="en-US" baseline="0" dirty="0" smtClean="0"/>
+              <a:t> (edge </a:t>
+            </a:r>
+            <a:r>
+              <a:rPr lang="en-US" baseline="0" dirty="0" err="1" smtClean="0"/>
+              <a:t>loppback</a:t>
+            </a:r>
+            <a:r>
+              <a:rPr lang="en-US" baseline="0" dirty="0" smtClean="0"/>
+              <a:t>)</a:t>
+            </a:r>
+          </a:p>
+          <a:p>
+            <a:r>
+              <a:rPr lang="en-US" baseline="0" dirty="0" err="1" smtClean="0"/>
+              <a:t>Historia</a:t>
+            </a:r>
+            <a:r>
+              <a:rPr lang="en-US" baseline="0" dirty="0" smtClean="0"/>
+              <a:t> de Windows-&gt; </a:t>
+            </a:r>
+            <a:r>
+              <a:rPr lang="en-US" baseline="0" dirty="0" err="1" smtClean="0"/>
+              <a:t>Primera</a:t>
+            </a:r>
+            <a:r>
+              <a:rPr lang="en-US" baseline="0" dirty="0" smtClean="0"/>
+              <a:t> version </a:t>
+            </a:r>
+            <a:r>
+              <a:rPr lang="en-US" baseline="0" dirty="0" err="1" smtClean="0"/>
+              <a:t>unica</a:t>
+            </a:r>
+            <a:r>
+              <a:rPr lang="en-US" baseline="0" dirty="0" smtClean="0"/>
+              <a:t>, </a:t>
+            </a:r>
+            <a:r>
+              <a:rPr lang="en-US" baseline="0" dirty="0" err="1" smtClean="0"/>
+              <a:t>OneCore</a:t>
+            </a:r>
+            <a:endParaRPr lang="en-US" baseline="0" dirty="0" smtClean="0"/>
+          </a:p>
+        </p:txBody>
+      </p:sp>
+      <p:sp>
+        <p:nvSpPr>
+          <p:cNvPr id="4" name="Header Placeholder 3"/>
+          <p:cNvSpPr>
+            <a:spLocks noGrp="1"/>
+          </p:cNvSpPr>
+          <p:nvPr>
+            <p:ph type="hdr" sz="quarter" idx="10"/>
+          </p:nvPr>
+        </p:nvSpPr>
+        <p:spPr/>
+        <p:txBody>
+          <a:bodyPr/>
+          <a:lstStyle/>
+          <a:p>
+            <a:r>
+              <a:rPr lang="en-US" smtClean="0">
+                <a:latin typeface="Segoe UI" pitchFamily="34" charset="0"/>
+              </a:rPr>
+              <a:t>Build 2015</a:t>
+            </a:r>
+            <a:endParaRPr lang="en-US" dirty="0">
+              <a:latin typeface="Segoe UI" pitchFamily="34" charset="0"/>
+            </a:endParaRPr>
+          </a:p>
+        </p:txBody>
+      </p:sp>
+      <p:sp>
+        <p:nvSpPr>
+          <p:cNvPr id="5" name="Footer Placeholder 4"/>
+          <p:cNvSpPr>
+            <a:spLocks noGrp="1"/>
+          </p:cNvSpPr>
+          <p:nvPr>
+            <p:ph type="ftr" sz="quarter" idx="11"/>
+          </p:nvPr>
+        </p:nvSpPr>
+        <p:spPr/>
+        <p:txBody>
+          <a:bodyPr/>
+          <a:lstStyle/>
+          <a:p>
+            <a:pPr defTabSz="914099" eaLnBrk="0" hangingPunct="0"/>
+            <a:r>
+              <a:rPr lang="en-US" sz="400" smtClean="0">
+                <a:gradFill>
+                  <a:gsLst>
+                    <a:gs pos="0">
+                      <a:prstClr val="black"/>
+                    </a:gs>
+                    <a:gs pos="100000">
+                      <a:prstClr val="black"/>
+                    </a:gs>
+                  </a:gsLst>
+                  <a:lin ang="5400000" scaled="0"/>
+                </a:gradFill>
+                <a:latin typeface="Segoe UI" pitchFamily="34" charset="0"/>
+                <a:ea typeface="Segoe UI" pitchFamily="34" charset="0"/>
+                <a:cs typeface="Segoe UI" pitchFamily="34" charset="0"/>
+              </a:rPr>
+              <a:t>© 2015 Microsoft Corporation. All rights reserved. MICROSOFT MAKES NO WARRANTIES, EXPRESS, IMPLIED OR STATUTORY, AS TO THE INFORMATION IN THIS PRESENTATION.</a:t>
+            </a:r>
+            <a:endParaRPr lang="en-US" sz="400" dirty="0" smtClean="0">
+              <a:gradFill>
+                <a:gsLst>
+                  <a:gs pos="0">
+                    <a:prstClr val="black"/>
+                  </a:gs>
+                  <a:gs pos="100000">
+                    <a:prstClr val="black"/>
+                  </a:gs>
+                </a:gsLst>
+                <a:lin ang="5400000" scaled="0"/>
+              </a:gradFill>
+              <a:latin typeface="Segoe UI" pitchFamily="34" charset="0"/>
+              <a:ea typeface="Segoe UI" pitchFamily="34" charset="0"/>
+              <a:cs typeface="Segoe UI" pitchFamily="34" charset="0"/>
+            </a:endParaRPr>
+          </a:p>
+        </p:txBody>
+      </p:sp>
+      <p:sp>
+        <p:nvSpPr>
+          <p:cNvPr id="6" name="Date Placeholder 5"/>
+          <p:cNvSpPr>
+            <a:spLocks noGrp="1"/>
+          </p:cNvSpPr>
+          <p:nvPr>
+            <p:ph type="dt" idx="12"/>
+          </p:nvPr>
+        </p:nvSpPr>
+        <p:spPr/>
+        <p:txBody>
+          <a:bodyPr/>
+          <a:lstStyle/>
+          <a:p>
+            <a:fld id="{38EEC551-8CDA-4EB6-89BB-2A86C9F091C8}" type="datetime8">
+              <a:rPr lang="en-US" smtClean="0"/>
+              <a:t>10/23/2015 12:12 AM</a:t>
+            </a:fld>
+            <a:endParaRPr lang="en-US" dirty="0"/>
+          </a:p>
+        </p:txBody>
+      </p:sp>
+      <p:sp>
+        <p:nvSpPr>
+          <p:cNvPr id="7" name="Slide Number Placeholder 6"/>
+          <p:cNvSpPr>
+            <a:spLocks noGrp="1"/>
+          </p:cNvSpPr>
+          <p:nvPr>
+            <p:ph type="sldNum" sz="quarter" idx="13"/>
+          </p:nvPr>
+        </p:nvSpPr>
+        <p:spPr/>
+        <p:txBody>
+          <a:bodyPr/>
+          <a:lstStyle/>
+          <a:p>
+            <a:fld id="{B4008EB6-D09E-4580-8CD6-DDB14511944F}" type="slidenum">
+              <a:rPr lang="en-US" smtClean="0"/>
+              <a:pPr/>
+              <a:t>2</a:t>
+            </a:fld>
+            <a:endParaRPr lang="en-US" dirty="0"/>
+          </a:p>
+        </p:txBody>
+      </p:sp>
+    </p:spTree>
+    <p:extLst>
+      <p:ext uri="{BB962C8B-B14F-4D97-AF65-F5344CB8AC3E}">
+        <p14:creationId xmlns:p14="http://schemas.microsoft.com/office/powerpoint/2010/main" val="1040872655"/>
+      </p:ext>
+    </p:extLst>
+  </p:cSld>
+  <p:clrMapOvr>
+    <a:masterClrMapping/>
+  </p:clrMapOvr>
+</p:notes>
+</file>
+
+<file path=ppt/notesSlides/notesSlide2.xml><?xml version="1.0" encoding="utf-8"?>
+<p:notes xmlns:a="http://schemas.openxmlformats.org/drawingml/2006/main" xmlns:r="http://schemas.openxmlformats.org/officeDocument/2006/relationships" xmlns:p="http://schemas.openxmlformats.org/presentationml/2006/main">
+  <p:cSld>
+    <p:spTree>
+      <p:nvGrpSpPr>
+        <p:cNvPr id="1" name=""/>
+        <p:cNvGrpSpPr/>
+        <p:nvPr/>
+      </p:nvGrpSpPr>
+      <p:grpSpPr>
+        <a:xfrm>
+          <a:off x="0" y="0"/>
+          <a:ext cx="0" cy="0"/>
+          <a:chOff x="0" y="0"/>
+          <a:chExt cx="0" cy="0"/>
+        </a:xfrm>
+      </p:grpSpPr>
+      <p:sp>
+        <p:nvSpPr>
+          <p:cNvPr id="2" name="Slide Image Placeholder 1"/>
+          <p:cNvSpPr>
+            <a:spLocks noGrp="1" noRot="1" noChangeAspect="1"/>
+          </p:cNvSpPr>
+          <p:nvPr>
+            <p:ph type="sldImg"/>
+          </p:nvPr>
+        </p:nvSpPr>
+        <p:spPr/>
+      </p:sp>
+      <p:sp>
+        <p:nvSpPr>
+          <p:cNvPr id="3" name="Notes Placeholder 2"/>
+          <p:cNvSpPr>
+            <a:spLocks noGrp="1"/>
+          </p:cNvSpPr>
+          <p:nvPr>
+            <p:ph type="body" idx="1"/>
+          </p:nvPr>
+        </p:nvSpPr>
+        <p:spPr/>
+        <p:txBody>
+          <a:bodyPr/>
+          <a:lstStyle/>
+          <a:p>
+            <a:r>
+              <a:rPr lang="en-US" dirty="0" smtClean="0"/>
+              <a:t>-</a:t>
+            </a:r>
+            <a:r>
+              <a:rPr lang="en-US" dirty="0" err="1" smtClean="0"/>
+              <a:t>Obvio</a:t>
+            </a:r>
+            <a:endParaRPr lang="en-US" dirty="0" smtClean="0"/>
+          </a:p>
+          <a:p>
+            <a:r>
+              <a:rPr lang="en-US" dirty="0" smtClean="0"/>
+              <a:t>-</a:t>
+            </a:r>
+            <a:r>
+              <a:rPr lang="en-US" dirty="0" err="1" smtClean="0"/>
+              <a:t>Ventajas</a:t>
+            </a:r>
+            <a:r>
+              <a:rPr lang="en-US" baseline="0" dirty="0" smtClean="0"/>
+              <a:t> para </a:t>
+            </a:r>
+            <a:r>
+              <a:rPr lang="en-US" baseline="0" dirty="0" err="1" smtClean="0"/>
+              <a:t>desarrollador</a:t>
+            </a:r>
+            <a:endParaRPr lang="en-US" baseline="0" dirty="0" smtClean="0"/>
+          </a:p>
+          <a:p>
+            <a:r>
+              <a:rPr lang="en-US" baseline="0" dirty="0" smtClean="0"/>
+              <a:t>-</a:t>
+            </a:r>
+            <a:r>
+              <a:rPr lang="en-US" baseline="0" dirty="0" err="1" smtClean="0"/>
+              <a:t>Ventajas</a:t>
+            </a:r>
+            <a:r>
+              <a:rPr lang="en-US" baseline="0" dirty="0" smtClean="0"/>
+              <a:t> para </a:t>
+            </a:r>
+            <a:r>
+              <a:rPr lang="en-US" baseline="0" dirty="0" err="1" smtClean="0"/>
+              <a:t>usuario</a:t>
+            </a:r>
+            <a:endParaRPr lang="en-US" dirty="0"/>
+          </a:p>
+        </p:txBody>
+      </p:sp>
+      <p:sp>
+        <p:nvSpPr>
+          <p:cNvPr id="4" name="Header Placeholder 3"/>
+          <p:cNvSpPr>
+            <a:spLocks noGrp="1"/>
+          </p:cNvSpPr>
+          <p:nvPr>
+            <p:ph type="hdr" sz="quarter" idx="10"/>
+          </p:nvPr>
+        </p:nvSpPr>
+        <p:spPr/>
+        <p:txBody>
+          <a:bodyPr/>
+          <a:lstStyle/>
+          <a:p>
+            <a:r>
+              <a:rPr lang="en-US" smtClean="0">
+                <a:latin typeface="Segoe UI" pitchFamily="34" charset="0"/>
+              </a:rPr>
+              <a:t>Build 2015</a:t>
+            </a:r>
+            <a:endParaRPr lang="en-US" dirty="0">
+              <a:latin typeface="Segoe UI" pitchFamily="34" charset="0"/>
+            </a:endParaRPr>
+          </a:p>
+        </p:txBody>
+      </p:sp>
+      <p:sp>
+        <p:nvSpPr>
+          <p:cNvPr id="5" name="Footer Placeholder 4"/>
+          <p:cNvSpPr>
+            <a:spLocks noGrp="1"/>
+          </p:cNvSpPr>
+          <p:nvPr>
+            <p:ph type="ftr" sz="quarter" idx="11"/>
+          </p:nvPr>
+        </p:nvSpPr>
+        <p:spPr/>
+        <p:txBody>
+          <a:bodyPr/>
+          <a:lstStyle/>
+          <a:p>
+            <a:pPr defTabSz="914099" eaLnBrk="0" hangingPunct="0"/>
+            <a:r>
+              <a:rPr lang="en-US" sz="400" smtClean="0">
+                <a:gradFill>
+                  <a:gsLst>
+                    <a:gs pos="0">
+                      <a:prstClr val="black"/>
+                    </a:gs>
+                    <a:gs pos="100000">
+                      <a:prstClr val="black"/>
+                    </a:gs>
+                  </a:gsLst>
+                  <a:lin ang="5400000" scaled="0"/>
+                </a:gradFill>
+                <a:latin typeface="Segoe UI" pitchFamily="34" charset="0"/>
+                <a:ea typeface="Segoe UI" pitchFamily="34" charset="0"/>
+                <a:cs typeface="Segoe UI" pitchFamily="34" charset="0"/>
+              </a:rPr>
+              <a:t>© 2015 Microsoft Corporation. All rights reserved. MICROSOFT MAKES NO WARRANTIES, EXPRESS, IMPLIED OR STATUTORY, AS TO THE INFORMATION IN THIS PRESENTATION.</a:t>
+            </a:r>
+            <a:endParaRPr lang="en-US" sz="400" dirty="0" smtClean="0">
+              <a:gradFill>
+                <a:gsLst>
+                  <a:gs pos="0">
+                    <a:prstClr val="black"/>
+                  </a:gs>
+                  <a:gs pos="100000">
+                    <a:prstClr val="black"/>
+                  </a:gs>
+                </a:gsLst>
+                <a:lin ang="5400000" scaled="0"/>
+              </a:gradFill>
+              <a:latin typeface="Segoe UI" pitchFamily="34" charset="0"/>
+              <a:ea typeface="Segoe UI" pitchFamily="34" charset="0"/>
+              <a:cs typeface="Segoe UI" pitchFamily="34" charset="0"/>
+            </a:endParaRPr>
+          </a:p>
+        </p:txBody>
+      </p:sp>
+      <p:sp>
+        <p:nvSpPr>
+          <p:cNvPr id="6" name="Date Placeholder 5"/>
+          <p:cNvSpPr>
+            <a:spLocks noGrp="1"/>
+          </p:cNvSpPr>
+          <p:nvPr>
+            <p:ph type="dt" idx="12"/>
+          </p:nvPr>
+        </p:nvSpPr>
+        <p:spPr/>
+        <p:txBody>
+          <a:bodyPr/>
+          <a:lstStyle/>
+          <a:p>
+            <a:fld id="{38EEC551-8CDA-4EB6-89BB-2A86C9F091C8}" type="datetime8">
+              <a:rPr lang="en-US" smtClean="0"/>
+              <a:t>10/23/2015 12:12 AM</a:t>
+            </a:fld>
+            <a:endParaRPr lang="en-US" dirty="0"/>
+          </a:p>
+        </p:txBody>
+      </p:sp>
+      <p:sp>
+        <p:nvSpPr>
+          <p:cNvPr id="7" name="Slide Number Placeholder 6"/>
+          <p:cNvSpPr>
+            <a:spLocks noGrp="1"/>
+          </p:cNvSpPr>
+          <p:nvPr>
+            <p:ph type="sldNum" sz="quarter" idx="13"/>
+          </p:nvPr>
+        </p:nvSpPr>
+        <p:spPr/>
+        <p:txBody>
+          <a:bodyPr/>
+          <a:lstStyle/>
+          <a:p>
+            <a:fld id="{B4008EB6-D09E-4580-8CD6-DDB14511944F}" type="slidenum">
+              <a:rPr lang="en-US" smtClean="0"/>
+              <a:pPr/>
+              <a:t>3</a:t>
+            </a:fld>
+            <a:endParaRPr lang="en-US" dirty="0"/>
+          </a:p>
+        </p:txBody>
+      </p:sp>
+    </p:spTree>
+    <p:extLst>
+      <p:ext uri="{BB962C8B-B14F-4D97-AF65-F5344CB8AC3E}">
+        <p14:creationId xmlns:p14="http://schemas.microsoft.com/office/powerpoint/2010/main" val="693637384"/>
+      </p:ext>
+    </p:extLst>
+  </p:cSld>
+  <p:clrMapOvr>
+    <a:masterClrMapping/>
+  </p:clrMapOvr>
+</p:notes>
+</file>
+
+<file path=ppt/notesSlides/notesSlide3.xml><?xml version="1.0" encoding="utf-8"?>
+<p:notes xmlns:a="http://schemas.openxmlformats.org/drawingml/2006/main" xmlns:r="http://schemas.openxmlformats.org/officeDocument/2006/relationships" xmlns:p="http://schemas.openxmlformats.org/presentationml/2006/main">
+  <p:cSld>
+    <p:spTree>
+      <p:nvGrpSpPr>
+        <p:cNvPr id="1" name=""/>
+        <p:cNvGrpSpPr/>
+        <p:nvPr/>
+      </p:nvGrpSpPr>
+      <p:grpSpPr>
+        <a:xfrm>
+          <a:off x="0" y="0"/>
+          <a:ext cx="0" cy="0"/>
+          <a:chOff x="0" y="0"/>
+          <a:chExt cx="0" cy="0"/>
+        </a:xfrm>
+      </p:grpSpPr>
+      <p:sp>
+        <p:nvSpPr>
+          <p:cNvPr id="2" name="Slide Image Placeholder 1"/>
+          <p:cNvSpPr>
+            <a:spLocks noGrp="1" noRot="1" noChangeAspect="1"/>
+          </p:cNvSpPr>
+          <p:nvPr>
+            <p:ph type="sldImg"/>
+          </p:nvPr>
+        </p:nvSpPr>
+        <p:spPr/>
+      </p:sp>
+      <p:sp>
+        <p:nvSpPr>
+          <p:cNvPr id="3" name="Notes Placeholder 2"/>
+          <p:cNvSpPr>
+            <a:spLocks noGrp="1"/>
+          </p:cNvSpPr>
+          <p:nvPr>
+            <p:ph type="body" idx="1"/>
+          </p:nvPr>
+        </p:nvSpPr>
+        <p:spPr/>
+        <p:txBody>
+          <a:bodyPr/>
+          <a:lstStyle/>
+          <a:p>
+            <a:r>
+              <a:rPr lang="en-US" dirty="0" err="1" smtClean="0"/>
+              <a:t>Jamas</a:t>
+            </a:r>
+            <a:r>
+              <a:rPr lang="en-US" dirty="0" smtClean="0"/>
+              <a:t> </a:t>
+            </a:r>
+            <a:r>
+              <a:rPr lang="en-US" dirty="0" err="1" smtClean="0"/>
+              <a:t>hemos</a:t>
+            </a:r>
+            <a:r>
+              <a:rPr lang="en-US" dirty="0" smtClean="0"/>
+              <a:t> </a:t>
+            </a:r>
+            <a:r>
+              <a:rPr lang="en-US" dirty="0" err="1" smtClean="0"/>
+              <a:t>tenido</a:t>
+            </a:r>
+            <a:r>
+              <a:rPr lang="en-US" dirty="0" smtClean="0"/>
+              <a:t> </a:t>
+            </a:r>
+            <a:r>
+              <a:rPr lang="en-US" dirty="0" err="1" smtClean="0"/>
+              <a:t>este</a:t>
+            </a:r>
+            <a:r>
+              <a:rPr lang="en-US" dirty="0" smtClean="0"/>
+              <a:t> </a:t>
+            </a:r>
+            <a:r>
+              <a:rPr lang="en-US" dirty="0" err="1" smtClean="0"/>
+              <a:t>poder</a:t>
+            </a:r>
+            <a:endParaRPr lang="en-US" dirty="0"/>
+          </a:p>
+        </p:txBody>
+      </p:sp>
+      <p:sp>
+        <p:nvSpPr>
+          <p:cNvPr id="4" name="Header Placeholder 3"/>
+          <p:cNvSpPr>
+            <a:spLocks noGrp="1"/>
+          </p:cNvSpPr>
+          <p:nvPr>
+            <p:ph type="hdr" sz="quarter" idx="10"/>
+          </p:nvPr>
+        </p:nvSpPr>
+        <p:spPr/>
+        <p:txBody>
+          <a:bodyPr/>
+          <a:lstStyle/>
+          <a:p>
+            <a:r>
+              <a:rPr lang="en-US" smtClean="0">
+                <a:latin typeface="Segoe UI" pitchFamily="34" charset="0"/>
+              </a:rPr>
+              <a:t>Build 2015</a:t>
+            </a:r>
+            <a:endParaRPr lang="en-US" dirty="0">
+              <a:latin typeface="Segoe UI" pitchFamily="34" charset="0"/>
+            </a:endParaRPr>
+          </a:p>
+        </p:txBody>
+      </p:sp>
+      <p:sp>
+        <p:nvSpPr>
+          <p:cNvPr id="5" name="Footer Placeholder 4"/>
+          <p:cNvSpPr>
+            <a:spLocks noGrp="1"/>
+          </p:cNvSpPr>
+          <p:nvPr>
+            <p:ph type="ftr" sz="quarter" idx="11"/>
+          </p:nvPr>
+        </p:nvSpPr>
+        <p:spPr/>
+        <p:txBody>
+          <a:bodyPr/>
+          <a:lstStyle/>
+          <a:p>
+            <a:pPr defTabSz="914099" eaLnBrk="0" hangingPunct="0"/>
+            <a:r>
+              <a:rPr lang="en-US" sz="400" smtClean="0">
+                <a:gradFill>
+                  <a:gsLst>
+                    <a:gs pos="0">
+                      <a:prstClr val="black"/>
+                    </a:gs>
+                    <a:gs pos="100000">
+                      <a:prstClr val="black"/>
+                    </a:gs>
+                  </a:gsLst>
+                  <a:lin ang="5400000" scaled="0"/>
+                </a:gradFill>
+                <a:latin typeface="Segoe UI" pitchFamily="34" charset="0"/>
+                <a:ea typeface="Segoe UI" pitchFamily="34" charset="0"/>
+                <a:cs typeface="Segoe UI" pitchFamily="34" charset="0"/>
+              </a:rPr>
+              <a:t>© 2015 Microsoft Corporation. All rights reserved. MICROSOFT MAKES NO WARRANTIES, EXPRESS, IMPLIED OR STATUTORY, AS TO THE INFORMATION IN THIS PRESENTATION.</a:t>
+            </a:r>
+            <a:endParaRPr lang="en-US" sz="400" dirty="0" smtClean="0">
+              <a:gradFill>
+                <a:gsLst>
+                  <a:gs pos="0">
+                    <a:prstClr val="black"/>
+                  </a:gs>
+                  <a:gs pos="100000">
+                    <a:prstClr val="black"/>
+                  </a:gs>
+                </a:gsLst>
+                <a:lin ang="5400000" scaled="0"/>
+              </a:gradFill>
+              <a:latin typeface="Segoe UI" pitchFamily="34" charset="0"/>
+              <a:ea typeface="Segoe UI" pitchFamily="34" charset="0"/>
+              <a:cs typeface="Segoe UI" pitchFamily="34" charset="0"/>
+            </a:endParaRPr>
+          </a:p>
+        </p:txBody>
+      </p:sp>
+      <p:sp>
+        <p:nvSpPr>
+          <p:cNvPr id="6" name="Date Placeholder 5"/>
+          <p:cNvSpPr>
+            <a:spLocks noGrp="1"/>
+          </p:cNvSpPr>
+          <p:nvPr>
+            <p:ph type="dt" idx="12"/>
+          </p:nvPr>
+        </p:nvSpPr>
+        <p:spPr/>
+        <p:txBody>
+          <a:bodyPr/>
+          <a:lstStyle/>
+          <a:p>
+            <a:fld id="{38EEC551-8CDA-4EB6-89BB-2A86C9F091C8}" type="datetime8">
+              <a:rPr lang="en-US" smtClean="0"/>
+              <a:t>10/23/2015 12:12 AM</a:t>
+            </a:fld>
+            <a:endParaRPr lang="en-US" dirty="0"/>
+          </a:p>
+        </p:txBody>
+      </p:sp>
+      <p:sp>
+        <p:nvSpPr>
+          <p:cNvPr id="7" name="Slide Number Placeholder 6"/>
+          <p:cNvSpPr>
+            <a:spLocks noGrp="1"/>
+          </p:cNvSpPr>
+          <p:nvPr>
+            <p:ph type="sldNum" sz="quarter" idx="13"/>
+          </p:nvPr>
+        </p:nvSpPr>
+        <p:spPr/>
+        <p:txBody>
+          <a:bodyPr/>
+          <a:lstStyle/>
+          <a:p>
+            <a:fld id="{B4008EB6-D09E-4580-8CD6-DDB14511944F}" type="slidenum">
+              <a:rPr lang="en-US" smtClean="0"/>
+              <a:pPr/>
+              <a:t>4</a:t>
+            </a:fld>
+            <a:endParaRPr lang="en-US" dirty="0"/>
+          </a:p>
+        </p:txBody>
+      </p:sp>
+    </p:spTree>
+    <p:extLst>
+      <p:ext uri="{BB962C8B-B14F-4D97-AF65-F5344CB8AC3E}">
+        <p14:creationId xmlns:p14="http://schemas.microsoft.com/office/powerpoint/2010/main" val="1857699464"/>
+      </p:ext>
+    </p:extLst>
+  </p:cSld>
+  <p:clrMapOvr>
+    <a:masterClrMapping/>
+  </p:clrMapOvr>
+</p:notes>
+</file>
+
+<file path=ppt/notesSlides/notesSlide4.xml><?xml version="1.0" encoding="utf-8"?>
+<p:notes xmlns:a="http://schemas.openxmlformats.org/drawingml/2006/main" xmlns:r="http://schemas.openxmlformats.org/officeDocument/2006/relationships" xmlns:p="http://schemas.openxmlformats.org/presentationml/2006/main">
+  <p:cSld>
+    <p:spTree>
+      <p:nvGrpSpPr>
+        <p:cNvPr id="1" name=""/>
+        <p:cNvGrpSpPr/>
+        <p:nvPr/>
+      </p:nvGrpSpPr>
+      <p:grpSpPr>
+        <a:xfrm>
+          <a:off x="0" y="0"/>
+          <a:ext cx="0" cy="0"/>
+          <a:chOff x="0" y="0"/>
+          <a:chExt cx="0" cy="0"/>
+        </a:xfrm>
+      </p:grpSpPr>
+      <p:sp>
+        <p:nvSpPr>
+          <p:cNvPr id="2" name="Slide Image Placeholder 1"/>
+          <p:cNvSpPr>
+            <a:spLocks noGrp="1" noRot="1" noChangeAspect="1"/>
+          </p:cNvSpPr>
+          <p:nvPr>
+            <p:ph type="sldImg"/>
+          </p:nvPr>
+        </p:nvSpPr>
+        <p:spPr/>
+      </p:sp>
+      <p:sp>
+        <p:nvSpPr>
+          <p:cNvPr id="3" name="Notes Placeholder 2"/>
+          <p:cNvSpPr>
+            <a:spLocks noGrp="1"/>
+          </p:cNvSpPr>
+          <p:nvPr>
+            <p:ph type="body" idx="1"/>
+          </p:nvPr>
+        </p:nvSpPr>
+        <p:spPr/>
+        <p:txBody>
+          <a:bodyPr/>
+          <a:lstStyle/>
+          <a:p>
+            <a:r>
+              <a:rPr lang="en-US" dirty="0" smtClean="0"/>
+              <a:t>-Edge-&gt;Evergreen</a:t>
+            </a:r>
+          </a:p>
+          <a:p>
+            <a:r>
+              <a:rPr lang="en-US" dirty="0" smtClean="0"/>
+              <a:t>-</a:t>
+            </a:r>
+            <a:r>
+              <a:rPr lang="en-US" dirty="0" err="1" smtClean="0"/>
+              <a:t>Chackra</a:t>
+            </a:r>
+            <a:r>
+              <a:rPr lang="en-US" dirty="0" smtClean="0"/>
+              <a:t>-&gt;El mas </a:t>
+            </a:r>
+            <a:r>
+              <a:rPr lang="en-US" dirty="0" err="1" smtClean="0"/>
+              <a:t>rapido</a:t>
+            </a:r>
+            <a:r>
+              <a:rPr lang="en-US" dirty="0" smtClean="0"/>
+              <a:t> y major </a:t>
+            </a:r>
+            <a:r>
+              <a:rPr lang="en-US" dirty="0" err="1" smtClean="0"/>
+              <a:t>soporte</a:t>
+            </a:r>
+            <a:r>
+              <a:rPr lang="en-US" baseline="0" dirty="0" smtClean="0"/>
+              <a:t> para ES6</a:t>
+            </a:r>
+          </a:p>
+          <a:p>
+            <a:r>
+              <a:rPr lang="en-US" baseline="0" dirty="0" smtClean="0"/>
+              <a:t>-CSP-&gt; W8 </a:t>
+            </a:r>
+            <a:r>
+              <a:rPr lang="en-US" baseline="0" dirty="0" err="1" smtClean="0"/>
+              <a:t>limitado</a:t>
+            </a:r>
+            <a:r>
+              <a:rPr lang="en-US" baseline="0" dirty="0" smtClean="0"/>
+              <a:t>, </a:t>
+            </a:r>
+            <a:r>
+              <a:rPr lang="en-US" baseline="0" dirty="0" err="1" smtClean="0"/>
+              <a:t>permite</a:t>
+            </a:r>
+            <a:r>
+              <a:rPr lang="en-US" baseline="0" dirty="0" smtClean="0"/>
+              <a:t> </a:t>
+            </a:r>
+            <a:r>
+              <a:rPr lang="en-US" baseline="0" dirty="0" err="1" smtClean="0"/>
+              <a:t>establecer</a:t>
+            </a:r>
+            <a:r>
+              <a:rPr lang="en-US" baseline="0" dirty="0" smtClean="0"/>
+              <a:t> </a:t>
+            </a:r>
+            <a:r>
+              <a:rPr lang="en-US" baseline="0" dirty="0" err="1" smtClean="0"/>
+              <a:t>nuestra</a:t>
+            </a:r>
+            <a:r>
+              <a:rPr lang="en-US" baseline="0" dirty="0" smtClean="0"/>
+              <a:t> </a:t>
+            </a:r>
+            <a:r>
+              <a:rPr lang="en-US" baseline="0" dirty="0" err="1" smtClean="0"/>
+              <a:t>propia</a:t>
+            </a:r>
+            <a:r>
+              <a:rPr lang="en-US" baseline="0" dirty="0" smtClean="0"/>
+              <a:t> </a:t>
+            </a:r>
+            <a:r>
+              <a:rPr lang="en-US" baseline="0" dirty="0" err="1" smtClean="0"/>
+              <a:t>politica</a:t>
+            </a:r>
+            <a:r>
+              <a:rPr lang="en-US" baseline="0" dirty="0" smtClean="0"/>
+              <a:t> de </a:t>
+            </a:r>
+            <a:r>
+              <a:rPr lang="en-US" baseline="0" dirty="0" err="1" smtClean="0"/>
+              <a:t>seguridad</a:t>
+            </a:r>
+            <a:endParaRPr lang="en-US" baseline="0" dirty="0" smtClean="0"/>
+          </a:p>
+          <a:p>
+            <a:r>
+              <a:rPr lang="en-US" baseline="0" dirty="0" smtClean="0"/>
+              <a:t>-</a:t>
+            </a:r>
+            <a:r>
+              <a:rPr lang="en-US" baseline="0" dirty="0" err="1" smtClean="0"/>
+              <a:t>Igual</a:t>
+            </a:r>
+            <a:r>
+              <a:rPr lang="en-US" baseline="0" dirty="0" smtClean="0"/>
+              <a:t> que C# o C</a:t>
+            </a:r>
+            <a:r>
+              <a:rPr lang="en-US" baseline="0" dirty="0" smtClean="0"/>
+              <a:t>++</a:t>
+            </a:r>
+          </a:p>
+          <a:p>
+            <a:r>
+              <a:rPr lang="en-US" baseline="0" dirty="0" smtClean="0"/>
+              <a:t>-Sway vs Word</a:t>
+            </a:r>
+            <a:endParaRPr lang="en-US" dirty="0"/>
+          </a:p>
+        </p:txBody>
+      </p:sp>
+      <p:sp>
+        <p:nvSpPr>
+          <p:cNvPr id="4" name="Header Placeholder 3"/>
+          <p:cNvSpPr>
+            <a:spLocks noGrp="1"/>
+          </p:cNvSpPr>
+          <p:nvPr>
+            <p:ph type="hdr" sz="quarter" idx="10"/>
+          </p:nvPr>
+        </p:nvSpPr>
+        <p:spPr/>
+        <p:txBody>
+          <a:bodyPr/>
+          <a:lstStyle/>
+          <a:p>
+            <a:r>
+              <a:rPr lang="en-US" smtClean="0">
+                <a:latin typeface="Segoe UI" pitchFamily="34" charset="0"/>
+              </a:rPr>
+              <a:t>Build 2015</a:t>
+            </a:r>
+            <a:endParaRPr lang="en-US" dirty="0">
+              <a:latin typeface="Segoe UI" pitchFamily="34" charset="0"/>
+            </a:endParaRPr>
+          </a:p>
+        </p:txBody>
+      </p:sp>
+      <p:sp>
+        <p:nvSpPr>
+          <p:cNvPr id="5" name="Footer Placeholder 4"/>
+          <p:cNvSpPr>
+            <a:spLocks noGrp="1"/>
+          </p:cNvSpPr>
+          <p:nvPr>
+            <p:ph type="ftr" sz="quarter" idx="11"/>
+          </p:nvPr>
+        </p:nvSpPr>
+        <p:spPr/>
+        <p:txBody>
+          <a:bodyPr/>
+          <a:lstStyle/>
+          <a:p>
+            <a:pPr defTabSz="914099" eaLnBrk="0" hangingPunct="0"/>
+            <a:r>
+              <a:rPr lang="en-US" sz="400" smtClean="0">
+                <a:gradFill>
+                  <a:gsLst>
+                    <a:gs pos="0">
+                      <a:prstClr val="black"/>
+                    </a:gs>
+                    <a:gs pos="100000">
+                      <a:prstClr val="black"/>
+                    </a:gs>
+                  </a:gsLst>
+                  <a:lin ang="5400000" scaled="0"/>
+                </a:gradFill>
+                <a:latin typeface="Segoe UI" pitchFamily="34" charset="0"/>
+                <a:ea typeface="Segoe UI" pitchFamily="34" charset="0"/>
+                <a:cs typeface="Segoe UI" pitchFamily="34" charset="0"/>
+              </a:rPr>
+              <a:t>© 2015 Microsoft Corporation. All rights reserved. MICROSOFT MAKES NO WARRANTIES, EXPRESS, IMPLIED OR STATUTORY, AS TO THE INFORMATION IN THIS PRESENTATION.</a:t>
+            </a:r>
+            <a:endParaRPr lang="en-US" sz="400" dirty="0" smtClean="0">
+              <a:gradFill>
+                <a:gsLst>
+                  <a:gs pos="0">
+                    <a:prstClr val="black"/>
+                  </a:gs>
+                  <a:gs pos="100000">
+                    <a:prstClr val="black"/>
+                  </a:gs>
+                </a:gsLst>
+                <a:lin ang="5400000" scaled="0"/>
+              </a:gradFill>
+              <a:latin typeface="Segoe UI" pitchFamily="34" charset="0"/>
+              <a:ea typeface="Segoe UI" pitchFamily="34" charset="0"/>
+              <a:cs typeface="Segoe UI" pitchFamily="34" charset="0"/>
+            </a:endParaRPr>
+          </a:p>
+        </p:txBody>
+      </p:sp>
+      <p:sp>
+        <p:nvSpPr>
+          <p:cNvPr id="6" name="Date Placeholder 5"/>
+          <p:cNvSpPr>
+            <a:spLocks noGrp="1"/>
+          </p:cNvSpPr>
+          <p:nvPr>
+            <p:ph type="dt" idx="12"/>
+          </p:nvPr>
+        </p:nvSpPr>
+        <p:spPr/>
+        <p:txBody>
+          <a:bodyPr/>
+          <a:lstStyle/>
+          <a:p>
+            <a:fld id="{38EEC551-8CDA-4EB6-89BB-2A86C9F091C8}" type="datetime8">
+              <a:rPr lang="en-US" smtClean="0"/>
+              <a:t>10/23/2015 12:12 AM</a:t>
+            </a:fld>
+            <a:endParaRPr lang="en-US" dirty="0"/>
+          </a:p>
+        </p:txBody>
+      </p:sp>
+      <p:sp>
+        <p:nvSpPr>
+          <p:cNvPr id="7" name="Slide Number Placeholder 6"/>
+          <p:cNvSpPr>
+            <a:spLocks noGrp="1"/>
+          </p:cNvSpPr>
+          <p:nvPr>
+            <p:ph type="sldNum" sz="quarter" idx="13"/>
+          </p:nvPr>
+        </p:nvSpPr>
+        <p:spPr/>
+        <p:txBody>
+          <a:bodyPr/>
+          <a:lstStyle/>
+          <a:p>
+            <a:fld id="{B4008EB6-D09E-4580-8CD6-DDB14511944F}" type="slidenum">
+              <a:rPr lang="en-US" smtClean="0"/>
+              <a:pPr/>
+              <a:t>5</a:t>
+            </a:fld>
+            <a:endParaRPr lang="en-US" dirty="0"/>
+          </a:p>
+        </p:txBody>
+      </p:sp>
+    </p:spTree>
+    <p:extLst>
+      <p:ext uri="{BB962C8B-B14F-4D97-AF65-F5344CB8AC3E}">
+        <p14:creationId xmlns:p14="http://schemas.microsoft.com/office/powerpoint/2010/main" val="4143797552"/>
+      </p:ext>
+    </p:extLst>
+  </p:cSld>
+  <p:clrMapOvr>
+    <a:masterClrMapping/>
+  </p:clrMapOvr>
+</p:notes>
+</file>
+
+<file path=ppt/notesSlides/notesSlide5.xml><?xml version="1.0" encoding="utf-8"?>
+<p:notes xmlns:a="http://schemas.openxmlformats.org/drawingml/2006/main" xmlns:r="http://schemas.openxmlformats.org/officeDocument/2006/relationships" xmlns:p="http://schemas.openxmlformats.org/presentationml/2006/main">
+  <p:cSld>
+    <p:spTree>
+      <p:nvGrpSpPr>
+        <p:cNvPr id="1" name=""/>
+        <p:cNvGrpSpPr/>
+        <p:nvPr/>
+      </p:nvGrpSpPr>
+      <p:grpSpPr>
+        <a:xfrm>
+          <a:off x="0" y="0"/>
+          <a:ext cx="0" cy="0"/>
+          <a:chOff x="0" y="0"/>
+          <a:chExt cx="0" cy="0"/>
+        </a:xfrm>
+      </p:grpSpPr>
+      <p:sp>
+        <p:nvSpPr>
+          <p:cNvPr id="2" name="Slide Image Placeholder 1"/>
+          <p:cNvSpPr>
+            <a:spLocks noGrp="1" noRot="1" noChangeAspect="1"/>
+          </p:cNvSpPr>
+          <p:nvPr>
+            <p:ph type="sldImg"/>
+          </p:nvPr>
+        </p:nvSpPr>
+        <p:spPr/>
+      </p:sp>
+      <p:sp>
+        <p:nvSpPr>
+          <p:cNvPr id="3" name="Notes Placeholder 2"/>
+          <p:cNvSpPr>
+            <a:spLocks noGrp="1"/>
+          </p:cNvSpPr>
+          <p:nvPr>
+            <p:ph type="body" idx="1"/>
+          </p:nvPr>
+        </p:nvSpPr>
+        <p:spPr/>
+        <p:txBody>
+          <a:bodyPr/>
+          <a:lstStyle/>
+          <a:p>
+            <a:r>
+              <a:rPr lang="en-US" dirty="0" smtClean="0"/>
+              <a:t>-Short</a:t>
+            </a:r>
+            <a:r>
+              <a:rPr lang="en-US" baseline="0" dirty="0" smtClean="0"/>
+              <a:t> demo 1</a:t>
+            </a:r>
+          </a:p>
+          <a:p>
+            <a:r>
+              <a:rPr lang="en-US" baseline="0" dirty="0" smtClean="0"/>
+              <a:t>-Lab 13</a:t>
+            </a:r>
+          </a:p>
+          <a:p>
+            <a:r>
+              <a:rPr lang="en-US" baseline="0" dirty="0" smtClean="0"/>
+              <a:t>-</a:t>
+            </a:r>
+            <a:r>
+              <a:rPr lang="en-US" baseline="0" dirty="0" err="1" smtClean="0"/>
+              <a:t>dreamspark</a:t>
+            </a:r>
+            <a:r>
+              <a:rPr lang="en-US" baseline="0" dirty="0" smtClean="0"/>
+              <a:t> -&gt;dev.windows.com -&gt;store</a:t>
+            </a:r>
+            <a:endParaRPr lang="en-US" dirty="0"/>
+          </a:p>
+        </p:txBody>
+      </p:sp>
+      <p:sp>
+        <p:nvSpPr>
+          <p:cNvPr id="4" name="Header Placeholder 3"/>
+          <p:cNvSpPr>
+            <a:spLocks noGrp="1"/>
+          </p:cNvSpPr>
+          <p:nvPr>
+            <p:ph type="hdr" sz="quarter" idx="10"/>
+          </p:nvPr>
+        </p:nvSpPr>
+        <p:spPr/>
+        <p:txBody>
+          <a:bodyPr/>
+          <a:lstStyle/>
+          <a:p>
+            <a:r>
+              <a:rPr lang="en-US" smtClean="0">
+                <a:latin typeface="Segoe UI" pitchFamily="34" charset="0"/>
+              </a:rPr>
+              <a:t>Build 2015</a:t>
+            </a:r>
+            <a:endParaRPr lang="en-US" dirty="0">
+              <a:latin typeface="Segoe UI" pitchFamily="34" charset="0"/>
+            </a:endParaRPr>
+          </a:p>
+        </p:txBody>
+      </p:sp>
+      <p:sp>
+        <p:nvSpPr>
+          <p:cNvPr id="5" name="Footer Placeholder 4"/>
+          <p:cNvSpPr>
+            <a:spLocks noGrp="1"/>
+          </p:cNvSpPr>
+          <p:nvPr>
+            <p:ph type="ftr" sz="quarter" idx="11"/>
+          </p:nvPr>
+        </p:nvSpPr>
+        <p:spPr/>
+        <p:txBody>
+          <a:bodyPr/>
+          <a:lstStyle/>
+          <a:p>
+            <a:pPr defTabSz="914099" eaLnBrk="0" hangingPunct="0"/>
+            <a:r>
+              <a:rPr lang="en-US" sz="400" smtClean="0">
+                <a:gradFill>
+                  <a:gsLst>
+                    <a:gs pos="0">
+                      <a:prstClr val="black"/>
+                    </a:gs>
+                    <a:gs pos="100000">
+                      <a:prstClr val="black"/>
+                    </a:gs>
+                  </a:gsLst>
+                  <a:lin ang="5400000" scaled="0"/>
+                </a:gradFill>
+                <a:latin typeface="Segoe UI" pitchFamily="34" charset="0"/>
+                <a:ea typeface="Segoe UI" pitchFamily="34" charset="0"/>
+                <a:cs typeface="Segoe UI" pitchFamily="34" charset="0"/>
+              </a:rPr>
+              <a:t>© 2015 Microsoft Corporation. All rights reserved. MICROSOFT MAKES NO WARRANTIES, EXPRESS, IMPLIED OR STATUTORY, AS TO THE INFORMATION IN THIS PRESENTATION.</a:t>
+            </a:r>
+            <a:endParaRPr lang="en-US" sz="400" dirty="0" smtClean="0">
+              <a:gradFill>
+                <a:gsLst>
+                  <a:gs pos="0">
+                    <a:prstClr val="black"/>
+                  </a:gs>
+                  <a:gs pos="100000">
+                    <a:prstClr val="black"/>
+                  </a:gs>
+                </a:gsLst>
+                <a:lin ang="5400000" scaled="0"/>
+              </a:gradFill>
+              <a:latin typeface="Segoe UI" pitchFamily="34" charset="0"/>
+              <a:ea typeface="Segoe UI" pitchFamily="34" charset="0"/>
+              <a:cs typeface="Segoe UI" pitchFamily="34" charset="0"/>
+            </a:endParaRPr>
+          </a:p>
+        </p:txBody>
+      </p:sp>
+      <p:sp>
+        <p:nvSpPr>
+          <p:cNvPr id="6" name="Date Placeholder 5"/>
+          <p:cNvSpPr>
+            <a:spLocks noGrp="1"/>
+          </p:cNvSpPr>
+          <p:nvPr>
+            <p:ph type="dt" idx="12"/>
+          </p:nvPr>
+        </p:nvSpPr>
+        <p:spPr/>
+        <p:txBody>
+          <a:bodyPr/>
+          <a:lstStyle/>
+          <a:p>
+            <a:fld id="{38EEC551-8CDA-4EB6-89BB-2A86C9F091C8}" type="datetime8">
+              <a:rPr lang="en-US" smtClean="0"/>
+              <a:t>10/23/2015 12:12 AM</a:t>
+            </a:fld>
+            <a:endParaRPr lang="en-US" dirty="0"/>
+          </a:p>
+        </p:txBody>
+      </p:sp>
+      <p:sp>
+        <p:nvSpPr>
+          <p:cNvPr id="7" name="Slide Number Placeholder 6"/>
+          <p:cNvSpPr>
+            <a:spLocks noGrp="1"/>
+          </p:cNvSpPr>
+          <p:nvPr>
+            <p:ph type="sldNum" sz="quarter" idx="13"/>
+          </p:nvPr>
+        </p:nvSpPr>
+        <p:spPr/>
+        <p:txBody>
+          <a:bodyPr/>
+          <a:lstStyle/>
+          <a:p>
+            <a:fld id="{B4008EB6-D09E-4580-8CD6-DDB14511944F}" type="slidenum">
+              <a:rPr lang="en-US" smtClean="0"/>
+              <a:pPr/>
+              <a:t>7</a:t>
+            </a:fld>
+            <a:endParaRPr lang="en-US" dirty="0"/>
+          </a:p>
+        </p:txBody>
+      </p:sp>
+    </p:spTree>
+    <p:extLst>
+      <p:ext uri="{BB962C8B-B14F-4D97-AF65-F5344CB8AC3E}">
+        <p14:creationId xmlns:p14="http://schemas.microsoft.com/office/powerpoint/2010/main" val="1094281687"/>
+      </p:ext>
+    </p:extLst>
+  </p:cSld>
+  <p:clrMapOvr>
+    <a:masterClrMapping/>
+  </p:clrMapOvr>
+</p:notes>
+</file>
+
+<file path=ppt/notesSlides/notesSlide6.xml><?xml version="1.0" encoding="utf-8"?>
+<p:notes xmlns:a="http://schemas.openxmlformats.org/drawingml/2006/main" xmlns:r="http://schemas.openxmlformats.org/officeDocument/2006/relationships" xmlns:p="http://schemas.openxmlformats.org/presentationml/2006/main">
+  <p:cSld>
+    <p:spTree>
+      <p:nvGrpSpPr>
+        <p:cNvPr id="1" name=""/>
+        <p:cNvGrpSpPr/>
+        <p:nvPr/>
+      </p:nvGrpSpPr>
+      <p:grpSpPr>
+        <a:xfrm>
+          <a:off x="0" y="0"/>
+          <a:ext cx="0" cy="0"/>
+          <a:chOff x="0" y="0"/>
+          <a:chExt cx="0" cy="0"/>
+        </a:xfrm>
+      </p:grpSpPr>
+      <p:sp>
+        <p:nvSpPr>
+          <p:cNvPr id="2" name="Slide Image Placeholder 1"/>
+          <p:cNvSpPr>
+            <a:spLocks noGrp="1" noRot="1" noChangeAspect="1"/>
+          </p:cNvSpPr>
+          <p:nvPr>
+            <p:ph type="sldImg"/>
+          </p:nvPr>
+        </p:nvSpPr>
+        <p:spPr/>
+      </p:sp>
+      <p:sp>
+        <p:nvSpPr>
+          <p:cNvPr id="3" name="Notes Placeholder 2"/>
+          <p:cNvSpPr>
+            <a:spLocks noGrp="1"/>
+          </p:cNvSpPr>
+          <p:nvPr>
+            <p:ph type="body" idx="1"/>
+          </p:nvPr>
+        </p:nvSpPr>
+        <p:spPr/>
+        <p:txBody>
+          <a:bodyPr/>
+          <a:lstStyle/>
+          <a:p>
+            <a:endParaRPr lang="en-US" dirty="0"/>
+          </a:p>
+        </p:txBody>
+      </p:sp>
+      <p:sp>
+        <p:nvSpPr>
+          <p:cNvPr id="4" name="Header Placeholder 3"/>
+          <p:cNvSpPr>
+            <a:spLocks noGrp="1"/>
+          </p:cNvSpPr>
+          <p:nvPr>
+            <p:ph type="hdr" sz="quarter" idx="10"/>
+          </p:nvPr>
+        </p:nvSpPr>
+        <p:spPr/>
+        <p:txBody>
+          <a:bodyPr/>
+          <a:lstStyle/>
+          <a:p>
+            <a:r>
+              <a:rPr lang="en-US" smtClean="0">
+                <a:solidFill>
+                  <a:prstClr val="black"/>
+                </a:solidFill>
+              </a:rPr>
+              <a:t>Build 2015</a:t>
+            </a:r>
+            <a:endParaRPr lang="en-US" dirty="0">
+              <a:solidFill>
+                <a:prstClr val="black"/>
+              </a:solidFill>
+            </a:endParaRPr>
+          </a:p>
+        </p:txBody>
+      </p:sp>
+      <p:sp>
+        <p:nvSpPr>
+          <p:cNvPr id="5" name="Footer Placeholder 4"/>
+          <p:cNvSpPr>
+            <a:spLocks noGrp="1"/>
+          </p:cNvSpPr>
+          <p:nvPr>
+            <p:ph type="ftr" sz="quarter" idx="11"/>
+          </p:nvPr>
+        </p:nvSpPr>
+        <p:spPr/>
+        <p:txBody>
+          <a:bodyPr/>
+          <a:lstStyle/>
+          <a:p>
+            <a:pPr defTabSz="914099" eaLnBrk="0" hangingPunct="0"/>
+            <a:r>
+              <a:rPr lang="en-US" sz="400" smtClean="0">
+                <a:gradFill>
+                  <a:gsLst>
+                    <a:gs pos="0">
+                      <a:prstClr val="black"/>
+                    </a:gs>
+                    <a:gs pos="100000">
+                      <a:prstClr val="black"/>
+                    </a:gs>
+                  </a:gsLst>
+                  <a:lin ang="5400000" scaled="0"/>
+                </a:gradFill>
+                <a:latin typeface="Segoe UI" pitchFamily="34" charset="0"/>
+                <a:ea typeface="Segoe UI" pitchFamily="34" charset="0"/>
+                <a:cs typeface="Segoe UI" pitchFamily="34" charset="0"/>
+              </a:rPr>
+              <a:t>© 2015 Microsoft Corporation. All rights reserved. MICROSOFT MAKES NO WARRANTIES, EXPRESS, IMPLIED OR STATUTORY, AS TO THE INFORMATION IN THIS PRESENTATION.</a:t>
+            </a:r>
+            <a:endParaRPr lang="en-US" sz="400" dirty="0" smtClean="0">
+              <a:gradFill>
+                <a:gsLst>
+                  <a:gs pos="0">
+                    <a:prstClr val="black"/>
+                  </a:gs>
+                  <a:gs pos="100000">
+                    <a:prstClr val="black"/>
+                  </a:gs>
+                </a:gsLst>
+                <a:lin ang="5400000" scaled="0"/>
+              </a:gradFill>
+              <a:latin typeface="Segoe UI" pitchFamily="34" charset="0"/>
+              <a:ea typeface="Segoe UI" pitchFamily="34" charset="0"/>
+              <a:cs typeface="Segoe UI" pitchFamily="34" charset="0"/>
+            </a:endParaRPr>
+          </a:p>
+        </p:txBody>
+      </p:sp>
+      <p:sp>
+        <p:nvSpPr>
+          <p:cNvPr id="6" name="Date Placeholder 5"/>
+          <p:cNvSpPr>
+            <a:spLocks noGrp="1"/>
+          </p:cNvSpPr>
+          <p:nvPr>
+            <p:ph type="dt" idx="12"/>
+          </p:nvPr>
+        </p:nvSpPr>
+        <p:spPr/>
+        <p:txBody>
+          <a:bodyPr/>
+          <a:lstStyle/>
+          <a:p>
+            <a:fld id="{38EEC551-8CDA-4EB6-89BB-2A86C9F091C8}" type="datetime8">
+              <a:rPr lang="en-US" smtClean="0">
+                <a:solidFill>
+                  <a:prstClr val="black"/>
+                </a:solidFill>
+              </a:rPr>
+              <a:pPr/>
+              <a:t>10/23/2015 12:12 AM</a:t>
+            </a:fld>
+            <a:endParaRPr lang="en-US" dirty="0">
+              <a:solidFill>
+                <a:prstClr val="black"/>
+              </a:solidFill>
+            </a:endParaRPr>
+          </a:p>
+        </p:txBody>
+      </p:sp>
+      <p:sp>
+        <p:nvSpPr>
+          <p:cNvPr id="7" name="Slide Number Placeholder 6"/>
+          <p:cNvSpPr>
+            <a:spLocks noGrp="1"/>
+          </p:cNvSpPr>
+          <p:nvPr>
+            <p:ph type="sldNum" sz="quarter" idx="13"/>
+          </p:nvPr>
+        </p:nvSpPr>
+        <p:spPr/>
+        <p:txBody>
+          <a:bodyPr/>
+          <a:lstStyle/>
+          <a:p>
+            <a:fld id="{B4008EB6-D09E-4580-8CD6-DDB14511944F}" type="slidenum">
+              <a:rPr lang="en-US" smtClean="0">
+                <a:solidFill>
+                  <a:prstClr val="black"/>
+                </a:solidFill>
+              </a:rPr>
+              <a:pPr/>
+              <a:t>8</a:t>
+            </a:fld>
+            <a:endParaRPr lang="en-US" dirty="0">
+              <a:solidFill>
+                <a:prstClr val="black"/>
+              </a:solidFill>
+            </a:endParaRPr>
+          </a:p>
+        </p:txBody>
+      </p:sp>
+    </p:spTree>
+    <p:extLst>
+      <p:ext uri="{BB962C8B-B14F-4D97-AF65-F5344CB8AC3E}">
+        <p14:creationId xmlns:p14="http://schemas.microsoft.com/office/powerpoint/2010/main" val="779980099"/>
+      </p:ext>
+    </p:extLst>
+  </p:cSld>
+  <p:clrMapOvr>
+    <a:masterClrMapping/>
+  </p:clrMapOvr>
+</p:notes>
 </file>
 
 <file path=ppt/slideLayouts/slideLayout1.xml><?xml version="1.0" encoding="utf-8"?>
@@ -11954,7 +13404,7 @@
           <a:p>
             <a:fld id="{56AA3C3B-4339-43D7-BF14-AEF901A287CC}" type="datetimeFigureOut">
               <a:rPr lang="en-US" smtClean="0"/>
-              <a:t>8/9/2015</a:t>
+              <a:t>10/23/2015</a:t>
             </a:fld>
             <a:endParaRPr lang="en-US"/>
           </a:p>
@@ -29295,7 +30745,7 @@
           <a:graphicData uri="http://schemas.openxmlformats.org/presentationml/2006/ole">
             <mc:AlternateContent xmlns:mc="http://schemas.openxmlformats.org/markup-compatibility/2006">
               <mc:Choice xmlns:v="urn:schemas-microsoft-com:vml" Requires="v">
-                <p:oleObj spid="_x0000_s3190" name="think-cell Slide" r:id="rId4" imgW="270" imgH="270" progId="TCLayout.ActiveDocument.1">
+                <p:oleObj spid="_x0000_s3224" name="think-cell Slide" r:id="rId4" imgW="270" imgH="270" progId="TCLayout.ActiveDocument.1">
                   <p:embed/>
                 </p:oleObj>
               </mc:Choice>
@@ -29456,7 +30906,7 @@
           <a:graphicData uri="http://schemas.openxmlformats.org/presentationml/2006/ole">
             <mc:AlternateContent xmlns:mc="http://schemas.openxmlformats.org/markup-compatibility/2006">
               <mc:Choice xmlns:v="urn:schemas-microsoft-com:vml" Requires="v">
-                <p:oleObj spid="_x0000_s4214" name="think-cell Slide" r:id="rId5" imgW="270" imgH="270" progId="TCLayout.ActiveDocument.1">
+                <p:oleObj spid="_x0000_s4248" name="think-cell Slide" r:id="rId5" imgW="270" imgH="270" progId="TCLayout.ActiveDocument.1">
                   <p:embed/>
                 </p:oleObj>
               </mc:Choice>
@@ -31159,7 +32609,7 @@
           <a:p>
             <a:fld id="{96DFF08F-DC6B-4601-B491-B0F83F6DD2DA}" type="datetimeFigureOut">
               <a:rPr lang="en-US" smtClean="0"/>
-              <a:t>8/9/2015</a:t>
+              <a:t>10/23/2015</a:t>
             </a:fld>
             <a:endParaRPr lang="en-US" dirty="0"/>
           </a:p>
@@ -31336,7 +32786,7 @@
           <a:p>
             <a:fld id="{96DFF08F-DC6B-4601-B491-B0F83F6DD2DA}" type="datetimeFigureOut">
               <a:rPr lang="en-US" smtClean="0"/>
-              <a:t>8/9/2015</a:t>
+              <a:t>10/23/2015</a:t>
             </a:fld>
             <a:endParaRPr lang="en-US" dirty="0"/>
           </a:p>
@@ -31593,7 +33043,7 @@
           <a:p>
             <a:fld id="{96DFF08F-DC6B-4601-B491-B0F83F6DD2DA}" type="datetimeFigureOut">
               <a:rPr lang="en-US" smtClean="0"/>
-              <a:t>8/9/2015</a:t>
+              <a:t>10/23/2015</a:t>
             </a:fld>
             <a:endParaRPr lang="en-US" dirty="0"/>
           </a:p>
@@ -31832,7 +33282,7 @@
           <a:p>
             <a:fld id="{96DFF08F-DC6B-4601-B491-B0F83F6DD2DA}" type="datetimeFigureOut">
               <a:rPr lang="en-US" smtClean="0"/>
-              <a:t>8/9/2015</a:t>
+              <a:t>10/23/2015</a:t>
             </a:fld>
             <a:endParaRPr lang="en-US" dirty="0"/>
           </a:p>
@@ -32213,7 +33663,7 @@
           <a:p>
             <a:fld id="{96DFF08F-DC6B-4601-B491-B0F83F6DD2DA}" type="datetimeFigureOut">
               <a:rPr lang="en-US" smtClean="0"/>
-              <a:t>8/9/2015</a:t>
+              <a:t>10/23/2015</a:t>
             </a:fld>
             <a:endParaRPr lang="en-US" dirty="0"/>
           </a:p>
@@ -32343,7 +33793,7 @@
           <a:p>
             <a:fld id="{96DFF08F-DC6B-4601-B491-B0F83F6DD2DA}" type="datetimeFigureOut">
               <a:rPr lang="en-US" smtClean="0"/>
-              <a:t>8/9/2015</a:t>
+              <a:t>10/23/2015</a:t>
             </a:fld>
             <a:endParaRPr lang="en-US" dirty="0"/>
           </a:p>
@@ -32448,7 +33898,7 @@
           <a:p>
             <a:fld id="{96DFF08F-DC6B-4601-B491-B0F83F6DD2DA}" type="datetimeFigureOut">
               <a:rPr lang="en-US" smtClean="0"/>
-              <a:t>8/9/2015</a:t>
+              <a:t>10/23/2015</a:t>
             </a:fld>
             <a:endParaRPr lang="en-US" dirty="0"/>
           </a:p>
@@ -32713,7 +34163,7 @@
           <a:p>
             <a:fld id="{96DFF08F-DC6B-4601-B491-B0F83F6DD2DA}" type="datetimeFigureOut">
               <a:rPr lang="en-US" smtClean="0"/>
-              <a:t>8/9/2015</a:t>
+              <a:t>10/23/2015</a:t>
             </a:fld>
             <a:endParaRPr lang="en-US" dirty="0"/>
           </a:p>
@@ -33025,7 +34475,7 @@
           <a:p>
             <a:fld id="{96DFF08F-DC6B-4601-B491-B0F83F6DD2DA}" type="datetimeFigureOut">
               <a:rPr lang="en-US" smtClean="0"/>
-              <a:t>8/9/2015</a:t>
+              <a:t>10/23/2015</a:t>
             </a:fld>
             <a:endParaRPr lang="en-US" dirty="0"/>
           </a:p>
@@ -33241,7 +34691,7 @@
           <a:p>
             <a:fld id="{0E59FD0C-5451-4CA0-86AF-E70AE3279989}" type="datetimeFigureOut">
               <a:rPr lang="en-US" smtClean="0"/>
-              <a:t>8/9/2015</a:t>
+              <a:t>10/23/2015</a:t>
             </a:fld>
             <a:endParaRPr lang="en-US" dirty="0"/>
           </a:p>
@@ -34000,7 +35450,7 @@
           <a:p>
             <a:fld id="{0E59FD0C-5451-4CA0-86AF-E70AE3279989}" type="datetimeFigureOut">
               <a:rPr lang="en-US" smtClean="0"/>
-              <a:t>8/9/2015</a:t>
+              <a:t>10/23/2015</a:t>
             </a:fld>
             <a:endParaRPr lang="en-US" dirty="0"/>
           </a:p>
@@ -34341,7 +35791,7 @@
           <a:p>
             <a:fld id="{0E59FD0C-5451-4CA0-86AF-E70AE3279989}" type="datetimeFigureOut">
               <a:rPr lang="en-US" smtClean="0"/>
-              <a:t>8/9/2015</a:t>
+              <a:t>10/23/2015</a:t>
             </a:fld>
             <a:endParaRPr lang="en-US" dirty="0"/>
           </a:p>
@@ -34663,7 +36113,7 @@
           <a:p>
             <a:fld id="{0E59FD0C-5451-4CA0-86AF-E70AE3279989}" type="datetimeFigureOut">
               <a:rPr lang="en-US" smtClean="0"/>
-              <a:t>8/9/2015</a:t>
+              <a:t>10/23/2015</a:t>
             </a:fld>
             <a:endParaRPr lang="en-US" dirty="0"/>
           </a:p>
@@ -35064,7 +36514,7 @@
           <a:p>
             <a:fld id="{0E59FD0C-5451-4CA0-86AF-E70AE3279989}" type="datetimeFigureOut">
               <a:rPr lang="en-US" smtClean="0"/>
-              <a:t>8/9/2015</a:t>
+              <a:t>10/23/2015</a:t>
             </a:fld>
             <a:endParaRPr lang="en-US" dirty="0"/>
           </a:p>
@@ -35242,7 +36692,7 @@
           <a:p>
             <a:fld id="{96DFF08F-DC6B-4601-B491-B0F83F6DD2DA}" type="datetimeFigureOut">
               <a:rPr lang="en-US" smtClean="0"/>
-              <a:t>8/9/2015</a:t>
+              <a:t>10/23/2015</a:t>
             </a:fld>
             <a:endParaRPr lang="en-US" dirty="0"/>
           </a:p>
@@ -35429,7 +36879,7 @@
           <a:p>
             <a:fld id="{96DFF08F-DC6B-4601-B491-B0F83F6DD2DA}" type="datetimeFigureOut">
               <a:rPr lang="en-US" smtClean="0"/>
-              <a:t>8/9/2015</a:t>
+              <a:t>10/23/2015</a:t>
             </a:fld>
             <a:endParaRPr lang="en-US" dirty="0"/>
           </a:p>
@@ -35487,6 +36937,149 @@
   <p:clrMapOvr>
     <a:masterClrMapping/>
   </p:clrMapOvr>
+  <p:timing>
+    <p:tnLst>
+      <p:par>
+        <p:cTn id="1" dur="indefinite" restart="never" nodeType="tmRoot"/>
+      </p:par>
+    </p:tnLst>
+  </p:timing>
+</p:sldLayout>
+</file>
+
+<file path=ppt/slideLayouts/slideLayout96.xml><?xml version="1.0" encoding="utf-8"?>
+<p:sldLayout xmlns:a="http://schemas.openxmlformats.org/drawingml/2006/main" xmlns:r="http://schemas.openxmlformats.org/officeDocument/2006/relationships" xmlns:p="http://schemas.openxmlformats.org/presentationml/2006/main" userDrawn="1">
+  <p:cSld name="3_Title and Content - 2">
+    <p:spTree>
+      <p:nvGrpSpPr>
+        <p:cNvPr id="1" name=""/>
+        <p:cNvGrpSpPr/>
+        <p:nvPr/>
+      </p:nvGrpSpPr>
+      <p:grpSpPr>
+        <a:xfrm>
+          <a:off x="0" y="0"/>
+          <a:ext cx="0" cy="0"/>
+          <a:chOff x="0" y="0"/>
+          <a:chExt cx="0" cy="0"/>
+        </a:xfrm>
+      </p:grpSpPr>
+      <p:sp>
+        <p:nvSpPr>
+          <p:cNvPr id="4" name="Text Placeholder 3"/>
+          <p:cNvSpPr>
+            <a:spLocks noGrp="1"/>
+          </p:cNvSpPr>
+          <p:nvPr>
+            <p:ph type="body" sz="quarter" idx="10"/>
+          </p:nvPr>
+        </p:nvSpPr>
+        <p:spPr>
+          <a:xfrm>
+            <a:off x="5761038" y="1668463"/>
+            <a:ext cx="6400800" cy="5029200"/>
+          </a:xfrm>
+        </p:spPr>
+        <p:txBody>
+          <a:bodyPr wrap="square">
+            <a:noAutofit/>
+          </a:bodyPr>
+          <a:lstStyle>
+            <a:lvl1pPr marL="0" indent="0">
+              <a:buNone/>
+              <a:defRPr/>
+            </a:lvl1pPr>
+            <a:lvl2pPr marL="0" indent="0">
+              <a:buNone/>
+              <a:defRPr/>
+            </a:lvl2pPr>
+            <a:lvl3pPr marL="0" indent="0">
+              <a:buNone/>
+              <a:defRPr sz="2400"/>
+            </a:lvl3pPr>
+            <a:lvl4pPr marL="0" indent="0">
+              <a:buNone/>
+              <a:defRPr sz="2000"/>
+            </a:lvl4pPr>
+            <a:lvl5pPr marL="0" indent="0">
+              <a:buNone/>
+              <a:defRPr sz="2000"/>
+            </a:lvl5pPr>
+          </a:lstStyle>
+          <a:p>
+            <a:pPr lvl="0"/>
+            <a:r>
+              <a:rPr lang="en-US" dirty="0" smtClean="0"/>
+              <a:t>Click to edit Master text styles</a:t>
+            </a:r>
+          </a:p>
+          <a:p>
+            <a:pPr lvl="1"/>
+            <a:r>
+              <a:rPr lang="en-US" dirty="0" smtClean="0"/>
+              <a:t>Second level</a:t>
+            </a:r>
+          </a:p>
+          <a:p>
+            <a:pPr lvl="2"/>
+            <a:r>
+              <a:rPr lang="en-US" dirty="0" smtClean="0"/>
+              <a:t>Third level</a:t>
+            </a:r>
+          </a:p>
+          <a:p>
+            <a:pPr lvl="3"/>
+            <a:r>
+              <a:rPr lang="en-US" dirty="0" smtClean="0"/>
+              <a:t>Fourth level</a:t>
+            </a:r>
+          </a:p>
+          <a:p>
+            <a:pPr lvl="4"/>
+            <a:r>
+              <a:rPr lang="en-US" dirty="0" smtClean="0"/>
+              <a:t>Fifth level</a:t>
+            </a:r>
+            <a:endParaRPr lang="en-US" dirty="0"/>
+          </a:p>
+        </p:txBody>
+      </p:sp>
+      <p:sp>
+        <p:nvSpPr>
+          <p:cNvPr id="2" name="Title 1"/>
+          <p:cNvSpPr>
+            <a:spLocks noGrp="1"/>
+          </p:cNvSpPr>
+          <p:nvPr>
+            <p:ph type="title"/>
+          </p:nvPr>
+        </p:nvSpPr>
+        <p:spPr/>
+        <p:txBody>
+          <a:bodyPr/>
+          <a:lstStyle/>
+          <a:p>
+            <a:r>
+              <a:rPr lang="en-US" smtClean="0"/>
+              <a:t>Click to edit Master title style</a:t>
+            </a:r>
+            <a:endParaRPr lang="en-US"/>
+          </a:p>
+        </p:txBody>
+      </p:sp>
+    </p:spTree>
+    <p:extLst>
+      <p:ext uri="{BB962C8B-B14F-4D97-AF65-F5344CB8AC3E}">
+        <p14:creationId xmlns:p14="http://schemas.microsoft.com/office/powerpoint/2010/main" val="760997651"/>
+      </p:ext>
+    </p:extLst>
+  </p:cSld>
+  <p:clrMapOvr>
+    <a:masterClrMapping/>
+  </p:clrMapOvr>
+  <p:transition>
+    <p:fade/>
+  </p:transition>
   <p:timing>
     <p:tnLst>
       <p:par>
@@ -38866,7 +40459,7 @@
             <a:fld id="{B61BEF0D-F0BB-DE4B-95CE-6DB70DBA9567}" type="datetimeFigureOut">
               <a:rPr lang="en-US" dirty="0"/>
               <a:pPr/>
-              <a:t>8/9/2015</a:t>
+              <a:t>10/23/2015</a:t>
             </a:fld>
             <a:endParaRPr lang="en-US" dirty="0"/>
           </a:p>
@@ -38958,7 +40551,7 @@
           <p:nvPr userDrawn="1"/>
         </p:nvPicPr>
         <p:blipFill>
-          <a:blip r:embed="rId18"/>
+          <a:blip r:embed="rId19"/>
           <a:stretch>
             <a:fillRect/>
           </a:stretch>
@@ -38998,6 +40591,7 @@
     <p:sldLayoutId id="2147484562" r:id="rId14"/>
     <p:sldLayoutId id="2147484563" r:id="rId15"/>
     <p:sldLayoutId id="2147484564" r:id="rId16"/>
+    <p:sldLayoutId id="2147484565" r:id="rId17"/>
   </p:sldLayoutIdLst>
   <p:transition>
     <p:fade/>
@@ -39832,26 +41426,6 @@
 <file path=ppt/slides/slide2.xml><?xml version="1.0" encoding="utf-8"?>
 <p:sld xmlns:a="http://schemas.openxmlformats.org/drawingml/2006/main" xmlns:r="http://schemas.openxmlformats.org/officeDocument/2006/relationships" xmlns:p="http://schemas.openxmlformats.org/presentationml/2006/main">
   <p:cSld>
-    <p:bg>
-      <p:bgPr>
-        <a:gradFill>
-          <a:gsLst>
-            <a:gs pos="100000">
-              <a:schemeClr val="accent1">
-                <a:lumMod val="75000"/>
-              </a:schemeClr>
-            </a:gs>
-            <a:gs pos="0">
-              <a:schemeClr val="accent1">
-                <a:lumMod val="50000"/>
-              </a:schemeClr>
-            </a:gs>
-          </a:gsLst>
-          <a:lin ang="18900000" scaled="1"/>
-        </a:gradFill>
-        <a:effectLst/>
-      </p:bgPr>
-    </p:bg>
     <p:spTree>
       <p:nvGrpSpPr>
         <p:cNvPr id="1" name=""/>
@@ -39868,7 +41442,7 @@
       </p:grpSpPr>
       <p:sp>
         <p:nvSpPr>
-          <p:cNvPr id="3" name="Title 2"/>
+          <p:cNvPr id="4" name="Title 3"/>
           <p:cNvSpPr>
             <a:spLocks noGrp="1"/>
           </p:cNvSpPr>
@@ -39876,132 +41450,48 @@
             <p:ph type="title"/>
           </p:nvPr>
         </p:nvSpPr>
-        <p:spPr>
-          <a:xfrm>
-            <a:off x="655637" y="373062"/>
-            <a:ext cx="8705533" cy="1537069"/>
-          </a:xfrm>
-        </p:spPr>
+        <p:spPr/>
         <p:txBody>
-          <a:bodyPr>
-            <a:normAutofit/>
-          </a:bodyPr>
+          <a:bodyPr/>
           <a:lstStyle/>
           <a:p>
-            <a:r>
-              <a:rPr lang="es-ES" sz="5400" b="1" spc="0" dirty="0" smtClean="0">
-                <a:ln w="9525">
-                  <a:solidFill>
-                    <a:schemeClr val="accent1">
-                      <a:lumMod val="50000"/>
-                    </a:schemeClr>
-                  </a:solidFill>
-                  <a:prstDash val="solid"/>
-                </a:ln>
-                <a:solidFill>
-                  <a:schemeClr val="bg1"/>
-                </a:solidFill>
-                <a:latin typeface="Segoe UI Light" panose="020B0502040204020203" pitchFamily="34" charset="0"/>
-                <a:cs typeface="Segoe UI Light" panose="020B0502040204020203" pitchFamily="34" charset="0"/>
-              </a:rPr>
-              <a:t>¿Qué es una app?</a:t>
-            </a:r>
-            <a:endParaRPr lang="en-US" sz="5400" b="1" spc="0" dirty="0">
-              <a:ln w="9525">
-                <a:solidFill>
-                  <a:schemeClr val="accent1">
-                    <a:lumMod val="50000"/>
-                  </a:schemeClr>
-                </a:solidFill>
-                <a:prstDash val="solid"/>
-              </a:ln>
-              <a:solidFill>
-                <a:schemeClr val="bg1"/>
-              </a:solidFill>
-              <a:latin typeface="Segoe UI Light" panose="020B0502040204020203" pitchFamily="34" charset="0"/>
-              <a:cs typeface="Segoe UI Light" panose="020B0502040204020203" pitchFamily="34" charset="0"/>
-            </a:endParaRPr>
+            <a:endParaRPr lang="en-US"/>
           </a:p>
         </p:txBody>
       </p:sp>
-      <p:sp>
-        <p:nvSpPr>
-          <p:cNvPr id="2" name="Text Placeholder 1"/>
-          <p:cNvSpPr>
-            <a:spLocks noGrp="1"/>
-          </p:cNvSpPr>
+      <p:pic>
+        <p:nvPicPr>
+          <p:cNvPr id="8" name="Content Placeholder 7"/>
+          <p:cNvPicPr>
+            <a:picLocks noGrp="1" noChangeAspect="1"/>
+          </p:cNvPicPr>
           <p:nvPr>
             <p:ph idx="1"/>
           </p:nvPr>
-        </p:nvSpPr>
+        </p:nvPicPr>
+        <p:blipFill>
+          <a:blip r:embed="rId3">
+            <a:extLst>
+              <a:ext uri="{28A0092B-C50C-407E-A947-70E740481C1C}">
+                <a14:useLocalDpi xmlns:a14="http://schemas.microsoft.com/office/drawing/2010/main" val="0"/>
+              </a:ext>
+            </a:extLst>
+          </a:blip>
+          <a:stretch>
+            <a:fillRect/>
+          </a:stretch>
+        </p:blipFill>
         <p:spPr>
           <a:xfrm>
-            <a:off x="557212" y="1910131"/>
-            <a:ext cx="11887200" cy="4530471"/>
+            <a:off x="-106363" y="-465138"/>
+            <a:ext cx="12801600" cy="8001001"/>
           </a:xfrm>
         </p:spPr>
-        <p:txBody>
-          <a:bodyPr>
-            <a:normAutofit/>
-          </a:bodyPr>
-          <a:lstStyle/>
-          <a:p>
-            <a:r>
-              <a:rPr lang="es-ES" sz="3200" dirty="0" smtClean="0"/>
-              <a:t>Es un programa de ordenador.</a:t>
-            </a:r>
-          </a:p>
-          <a:p>
-            <a:endParaRPr lang="es-ES" sz="3200" dirty="0" smtClean="0"/>
-          </a:p>
-          <a:p>
-            <a:r>
-              <a:rPr lang="es-ES" sz="3200" dirty="0" smtClean="0"/>
-              <a:t>Esta empaquetada y se distribuye</a:t>
-            </a:r>
-          </a:p>
-          <a:p>
-            <a:pPr marL="0" indent="0">
-              <a:buNone/>
-            </a:pPr>
-            <a:r>
-              <a:rPr lang="es-ES" sz="3200" dirty="0"/>
-              <a:t> </a:t>
-            </a:r>
-            <a:r>
-              <a:rPr lang="es-ES" sz="3200" dirty="0" smtClean="0"/>
-              <a:t>  a través de una tienda.</a:t>
-            </a:r>
-          </a:p>
-          <a:p>
-            <a:endParaRPr lang="es-ES" sz="3200" dirty="0" smtClean="0"/>
-          </a:p>
-          <a:p>
-            <a:r>
-              <a:rPr lang="es-ES" sz="3200" dirty="0" smtClean="0"/>
-              <a:t>Mayor seguridad: </a:t>
-            </a:r>
-            <a:r>
-              <a:rPr lang="es-ES" sz="3200" dirty="0" err="1" smtClean="0"/>
-              <a:t>sandbox</a:t>
-            </a:r>
-            <a:r>
-              <a:rPr lang="es-ES" sz="3200" dirty="0" smtClean="0"/>
-              <a:t>, permisos…</a:t>
-            </a:r>
-          </a:p>
-          <a:p>
-            <a:pPr marL="0" indent="0">
-              <a:buNone/>
-            </a:pPr>
-            <a:endParaRPr lang="es-ES" sz="2800" dirty="0" smtClean="0"/>
-          </a:p>
-        </p:txBody>
-      </p:sp>
+      </p:pic>
     </p:spTree>
     <p:extLst>
       <p:ext uri="{BB962C8B-B14F-4D97-AF65-F5344CB8AC3E}">
-        <p14:creationId xmlns:p14="http://schemas.microsoft.com/office/powerpoint/2010/main" val="1616448005"/>
+        <p14:creationId xmlns:p14="http://schemas.microsoft.com/office/powerpoint/2010/main" val="2953665952"/>
       </p:ext>
     </p:extLst>
   </p:cSld>
@@ -40090,7 +41580,7 @@
           <a:lstStyle/>
           <a:p>
             <a:r>
-              <a:rPr lang="es-ES" sz="5400" b="1" spc="0" smtClean="0">
+              <a:rPr lang="es-ES" sz="5400" b="1" spc="0" dirty="0" smtClean="0">
                 <a:ln w="9525">
                   <a:solidFill>
                     <a:schemeClr val="accent1">
@@ -40105,7 +41595,7 @@
                 <a:latin typeface="Segoe UI Light" panose="020B0502040204020203" pitchFamily="34" charset="0"/>
                 <a:cs typeface="Segoe UI Light" panose="020B0502040204020203" pitchFamily="34" charset="0"/>
               </a:rPr>
-              <a:t>¿Qué es una app para W10?</a:t>
+              <a:t>¿Qué es una app?</a:t>
             </a:r>
             <a:endParaRPr lang="en-US" sz="5400" b="1" spc="0" dirty="0">
               <a:ln w="9525">
@@ -40137,7 +41627,7 @@
         </p:nvSpPr>
         <p:spPr>
           <a:xfrm>
-            <a:off x="884237" y="1516062"/>
+            <a:off x="557212" y="1910131"/>
             <a:ext cx="11887200" cy="4530471"/>
           </a:xfrm>
         </p:spPr>
@@ -40148,8 +41638,47 @@
           <a:lstStyle/>
           <a:p>
             <a:r>
-              <a:rPr lang="es-ES" sz="3200" smtClean="0"/>
-              <a:t>Puede estar escrita en C# / C++ / VB / JS</a:t>
+              <a:rPr lang="es-ES" sz="3200" dirty="0" smtClean="0"/>
+              <a:t>Es un programa de ordenador.</a:t>
+            </a:r>
+          </a:p>
+          <a:p>
+            <a:endParaRPr lang="es-ES" sz="3200" dirty="0" smtClean="0"/>
+          </a:p>
+          <a:p>
+            <a:r>
+              <a:rPr lang="es-ES" sz="3200" dirty="0" smtClean="0"/>
+              <a:t>Esta empaquetada y se distribuye</a:t>
+            </a:r>
+          </a:p>
+          <a:p>
+            <a:pPr marL="0" indent="0">
+              <a:buNone/>
+            </a:pPr>
+            <a:r>
+              <a:rPr lang="es-ES" sz="3200" dirty="0"/>
+              <a:t> </a:t>
+            </a:r>
+            <a:r>
+              <a:rPr lang="es-ES" sz="3200" dirty="0" smtClean="0"/>
+              <a:t>  a través de una tienda.</a:t>
+            </a:r>
+          </a:p>
+          <a:p>
+            <a:endParaRPr lang="es-ES" sz="3200" dirty="0" smtClean="0"/>
+          </a:p>
+          <a:p>
+            <a:r>
+              <a:rPr lang="es-ES" sz="3200" dirty="0" smtClean="0"/>
+              <a:t>Mayor seguridad: </a:t>
+            </a:r>
+            <a:r>
+              <a:rPr lang="es-ES" sz="3200" dirty="0" err="1" smtClean="0"/>
+              <a:t>sandbox</a:t>
+            </a:r>
+            <a:r>
+              <a:rPr lang="es-ES" sz="3200" dirty="0" smtClean="0"/>
+              <a:t>, permisos…</a:t>
             </a:r>
           </a:p>
           <a:p>
@@ -40160,40 +41689,10 @@
           </a:p>
         </p:txBody>
       </p:sp>
-      <p:pic>
-        <p:nvPicPr>
-          <p:cNvPr id="4" name="Picture 3"/>
-          <p:cNvPicPr>
-            <a:picLocks noChangeAspect="1"/>
-          </p:cNvPicPr>
-          <p:nvPr/>
-        </p:nvPicPr>
-        <p:blipFill>
-          <a:blip r:embed="rId2">
-            <a:extLst>
-              <a:ext uri="{28A0092B-C50C-407E-A947-70E740481C1C}">
-                <a14:useLocalDpi xmlns:a14="http://schemas.microsoft.com/office/drawing/2010/main" val="0"/>
-              </a:ext>
-            </a:extLst>
-          </a:blip>
-          <a:stretch>
-            <a:fillRect/>
-          </a:stretch>
-        </p:blipFill>
-        <p:spPr>
-          <a:xfrm>
-            <a:off x="1265237" y="2506662"/>
-            <a:ext cx="8686800" cy="3778757"/>
-          </a:xfrm>
-          <a:prstGeom prst="rect">
-            <a:avLst/>
-          </a:prstGeom>
-        </p:spPr>
-      </p:pic>
     </p:spTree>
     <p:extLst>
       <p:ext uri="{BB962C8B-B14F-4D97-AF65-F5344CB8AC3E}">
-        <p14:creationId xmlns:p14="http://schemas.microsoft.com/office/powerpoint/2010/main" val="329158996"/>
+        <p14:creationId xmlns:p14="http://schemas.microsoft.com/office/powerpoint/2010/main" val="1616448005"/>
       </p:ext>
     </p:extLst>
   </p:cSld>
@@ -40277,12 +41776,12 @@
         </p:spPr>
         <p:txBody>
           <a:bodyPr>
-            <a:normAutofit fontScale="90000"/>
+            <a:normAutofit/>
           </a:bodyPr>
           <a:lstStyle/>
           <a:p>
             <a:r>
-              <a:rPr lang="es-ES" sz="5400" b="1" spc="0" dirty="0" smtClean="0">
+              <a:rPr lang="es-ES" sz="5400" b="1" spc="0" smtClean="0">
                 <a:ln w="9525">
                   <a:solidFill>
                     <a:schemeClr val="accent1">
@@ -40297,7 +41796,7 @@
                 <a:latin typeface="Segoe UI Light" panose="020B0502040204020203" pitchFamily="34" charset="0"/>
                 <a:cs typeface="Segoe UI Light" panose="020B0502040204020203" pitchFamily="34" charset="0"/>
               </a:rPr>
-              <a:t>¿Cómo puedo hacer una app?</a:t>
+              <a:t>¿Qué es una app para W10?</a:t>
             </a:r>
             <a:endParaRPr lang="en-US" sz="5400" b="1" spc="0" dirty="0">
               <a:ln w="9525">
@@ -40335,173 +41834,70 @@
         </p:spPr>
         <p:txBody>
           <a:bodyPr>
-            <a:normAutofit lnSpcReduction="10000"/>
+            <a:normAutofit/>
           </a:bodyPr>
           <a:lstStyle/>
           <a:p>
             <a:r>
-              <a:rPr lang="es-ES" sz="3200" dirty="0" err="1" smtClean="0"/>
-              <a:t>Packaged</a:t>
-            </a:r>
-            <a:r>
-              <a:rPr lang="es-ES" sz="3200" dirty="0" smtClean="0"/>
-              <a:t> web apps</a:t>
-            </a:r>
-          </a:p>
-          <a:p>
-            <a:pPr lvl="1"/>
-            <a:r>
-              <a:rPr lang="en-US" sz="2996" dirty="0" smtClean="0"/>
-              <a:t>El archive .</a:t>
-            </a:r>
-            <a:r>
-              <a:rPr lang="en-US" sz="2996" dirty="0" err="1" smtClean="0"/>
-              <a:t>appx</a:t>
-            </a:r>
-            <a:r>
-              <a:rPr lang="en-US" sz="2996" dirty="0" smtClean="0"/>
-              <a:t> </a:t>
-            </a:r>
-            <a:r>
-              <a:rPr lang="en-US" sz="2996" dirty="0" err="1" smtClean="0"/>
-              <a:t>contiene</a:t>
-            </a:r>
-            <a:r>
-              <a:rPr lang="en-US" sz="2996" dirty="0" smtClean="0"/>
-              <a:t> </a:t>
-            </a:r>
-            <a:r>
-              <a:rPr lang="en-US" sz="2996" dirty="0" err="1" smtClean="0"/>
-              <a:t>nuestros</a:t>
-            </a:r>
-            <a:r>
-              <a:rPr lang="en-US" sz="2996" dirty="0" smtClean="0"/>
-              <a:t> .html, .</a:t>
-            </a:r>
-            <a:r>
-              <a:rPr lang="en-US" sz="2996" dirty="0" err="1" smtClean="0"/>
-              <a:t>js</a:t>
-            </a:r>
-            <a:r>
-              <a:rPr lang="en-US" sz="2996" dirty="0" smtClean="0"/>
-              <a:t>, .</a:t>
-            </a:r>
-            <a:r>
-              <a:rPr lang="en-US" sz="2996" dirty="0" err="1" smtClean="0"/>
-              <a:t>css</a:t>
-            </a:r>
-            <a:r>
-              <a:rPr lang="en-US" sz="2996" dirty="0" smtClean="0"/>
-              <a:t> …</a:t>
-            </a:r>
-          </a:p>
-          <a:p>
-            <a:pPr lvl="1"/>
-            <a:endParaRPr lang="en-US" sz="2996" dirty="0"/>
-          </a:p>
-          <a:p>
-            <a:r>
-              <a:rPr lang="en-US" sz="3200" dirty="0" smtClean="0"/>
-              <a:t>Hosted web apps</a:t>
-            </a:r>
-          </a:p>
-          <a:p>
-            <a:pPr lvl="1"/>
-            <a:r>
-              <a:rPr lang="en-US" sz="2996" dirty="0" smtClean="0"/>
-              <a:t>Los </a:t>
-            </a:r>
-            <a:r>
-              <a:rPr lang="en-US" sz="2996" dirty="0" err="1" smtClean="0"/>
-              <a:t>archivos</a:t>
-            </a:r>
-            <a:r>
-              <a:rPr lang="en-US" sz="2996" dirty="0" smtClean="0"/>
-              <a:t> </a:t>
-            </a:r>
-            <a:r>
-              <a:rPr lang="en-US" sz="2996" dirty="0" err="1" smtClean="0"/>
-              <a:t>estan</a:t>
-            </a:r>
-            <a:r>
-              <a:rPr lang="en-US" sz="2996" dirty="0" smtClean="0"/>
-              <a:t> </a:t>
-            </a:r>
-            <a:r>
-              <a:rPr lang="en-US" sz="2996" dirty="0" err="1" smtClean="0"/>
-              <a:t>en</a:t>
-            </a:r>
-            <a:r>
-              <a:rPr lang="en-US" sz="2996" dirty="0" smtClean="0"/>
-              <a:t> un </a:t>
-            </a:r>
-            <a:r>
-              <a:rPr lang="en-US" sz="2996" dirty="0" err="1" smtClean="0"/>
-              <a:t>servidor</a:t>
-            </a:r>
-            <a:r>
-              <a:rPr lang="en-US" sz="2996" dirty="0" smtClean="0"/>
-              <a:t> </a:t>
-            </a:r>
-            <a:r>
-              <a:rPr lang="en-US" sz="2996" dirty="0" err="1" smtClean="0"/>
-              <a:t>propio</a:t>
-            </a:r>
-            <a:endParaRPr lang="en-US" sz="2996" dirty="0" smtClean="0"/>
-          </a:p>
-          <a:p>
-            <a:endParaRPr lang="en-US" sz="3200" dirty="0"/>
-          </a:p>
-          <a:p>
-            <a:r>
-              <a:rPr lang="en-US" sz="3200" dirty="0" smtClean="0"/>
-              <a:t>Embedded web apps</a:t>
-            </a:r>
-            <a:endParaRPr lang="es-ES" sz="2800" dirty="0"/>
-          </a:p>
-          <a:p>
-            <a:pPr lvl="1"/>
-            <a:r>
-              <a:rPr lang="en-US" sz="2996" dirty="0" err="1" smtClean="0"/>
-              <a:t>Aplicación</a:t>
-            </a:r>
-            <a:r>
-              <a:rPr lang="en-US" sz="2996" dirty="0" smtClean="0"/>
-              <a:t> </a:t>
-            </a:r>
-            <a:r>
-              <a:rPr lang="en-US" sz="2996" dirty="0" err="1" smtClean="0"/>
-              <a:t>nativa</a:t>
-            </a:r>
-            <a:r>
-              <a:rPr lang="en-US" sz="2996" dirty="0" smtClean="0"/>
-              <a:t> con </a:t>
-            </a:r>
-            <a:r>
-              <a:rPr lang="en-US" sz="2996" dirty="0" err="1" smtClean="0"/>
-              <a:t>webviews</a:t>
-            </a:r>
-            <a:endParaRPr lang="es-ES" sz="2996" dirty="0" smtClean="0"/>
+              <a:rPr lang="es-ES" sz="3200" smtClean="0"/>
+              <a:t>Puede estar escrita en C# / C++ / VB / JS</a:t>
+            </a:r>
+          </a:p>
+          <a:p>
+            <a:pPr marL="0" indent="0">
+              <a:buNone/>
+            </a:pPr>
+            <a:endParaRPr lang="es-ES" sz="2800" dirty="0" smtClean="0"/>
           </a:p>
         </p:txBody>
       </p:sp>
+      <p:pic>
+        <p:nvPicPr>
+          <p:cNvPr id="4" name="Picture 3"/>
+          <p:cNvPicPr>
+            <a:picLocks noChangeAspect="1"/>
+          </p:cNvPicPr>
+          <p:nvPr/>
+        </p:nvPicPr>
+        <p:blipFill>
+          <a:blip r:embed="rId3">
+            <a:extLst>
+              <a:ext uri="{28A0092B-C50C-407E-A947-70E740481C1C}">
+                <a14:useLocalDpi xmlns:a14="http://schemas.microsoft.com/office/drawing/2010/main" val="0"/>
+              </a:ext>
+            </a:extLst>
+          </a:blip>
+          <a:stretch>
+            <a:fillRect/>
+          </a:stretch>
+        </p:blipFill>
+        <p:spPr>
+          <a:xfrm>
+            <a:off x="1265237" y="2506662"/>
+            <a:ext cx="8686800" cy="3778757"/>
+          </a:xfrm>
+          <a:prstGeom prst="rect">
+            <a:avLst/>
+          </a:prstGeom>
+        </p:spPr>
+      </p:pic>
     </p:spTree>
     <p:extLst>
       <p:ext uri="{BB962C8B-B14F-4D97-AF65-F5344CB8AC3E}">
-        <p14:creationId xmlns:p14="http://schemas.microsoft.com/office/powerpoint/2010/main" val="1048328568"/>
+        <p14:creationId xmlns:p14="http://schemas.microsoft.com/office/powerpoint/2010/main" val="329158996"/>
       </p:ext>
     </p:extLst>
   </p:cSld>
   <p:clrMapOvr>
     <a:masterClrMapping/>
   </p:clrMapOvr>
-  <mc:AlternateContent xmlns:mc="http://schemas.openxmlformats.org/markup-compatibility/2006">
-    <mc:Choice xmlns:p14="http://schemas.microsoft.com/office/powerpoint/2010/main" Requires="p14">
+  <mc:AlternateContent xmlns:mc="http://schemas.openxmlformats.org/markup-compatibility/2006" xmlns:p14="http://schemas.microsoft.com/office/powerpoint/2010/main">
+    <mc:Choice Requires="p14">
       <p:transition spd="slow" p14:dur="2000">
         <p14:prism isContent="1"/>
       </p:transition>
     </mc:Choice>
-    <mc:Fallback>
+    <mc:Fallback xmlns="">
       <p:transition spd="slow">
         <p:fade/>
       </p:transition>
@@ -40647,11 +42043,7 @@
             <a:pPr lvl="1"/>
             <a:r>
               <a:rPr lang="en-US" sz="2792" dirty="0" smtClean="0"/>
-              <a:t>Render c</a:t>
-            </a:r>
-            <a:r>
-              <a:rPr lang="en-US" sz="2792" dirty="0" smtClean="0"/>
-              <a:t>ompatible con </a:t>
+              <a:t>Render compatible con </a:t>
             </a:r>
             <a:r>
               <a:rPr lang="en-US" sz="2792" dirty="0" err="1" smtClean="0"/>
@@ -40739,13 +42131,13 @@
   <p:clrMapOvr>
     <a:masterClrMapping/>
   </p:clrMapOvr>
-  <mc:AlternateContent xmlns:mc="http://schemas.openxmlformats.org/markup-compatibility/2006">
-    <mc:Choice xmlns:p14="http://schemas.microsoft.com/office/powerpoint/2010/main" Requires="p14">
+  <mc:AlternateContent xmlns:mc="http://schemas.openxmlformats.org/markup-compatibility/2006" xmlns:p14="http://schemas.microsoft.com/office/powerpoint/2010/main">
+    <mc:Choice Requires="p14">
       <p:transition spd="slow" p14:dur="2000">
         <p14:prism isContent="1"/>
       </p:transition>
     </mc:Choice>
-    <mc:Fallback>
+    <mc:Fallback xmlns="">
       <p:transition spd="slow">
         <p:fade/>
       </p:transition>
@@ -40762,6 +42154,678 @@
 </file>
 
 <file path=ppt/slides/slide6.xml><?xml version="1.0" encoding="utf-8"?>
+<p:sld xmlns:a="http://schemas.openxmlformats.org/drawingml/2006/main" xmlns:r="http://schemas.openxmlformats.org/officeDocument/2006/relationships" xmlns:p="http://schemas.openxmlformats.org/presentationml/2006/main">
+  <p:cSld>
+    <p:bg>
+      <p:bgPr>
+        <a:gradFill>
+          <a:gsLst>
+            <a:gs pos="100000">
+              <a:schemeClr val="accent1">
+                <a:lumMod val="75000"/>
+              </a:schemeClr>
+            </a:gs>
+            <a:gs pos="0">
+              <a:schemeClr val="accent1">
+                <a:lumMod val="50000"/>
+              </a:schemeClr>
+            </a:gs>
+          </a:gsLst>
+          <a:lin ang="18900000" scaled="1"/>
+        </a:gradFill>
+        <a:effectLst/>
+      </p:bgPr>
+    </p:bg>
+    <p:spTree>
+      <p:nvGrpSpPr>
+        <p:cNvPr id="1" name=""/>
+        <p:cNvGrpSpPr/>
+        <p:nvPr/>
+      </p:nvGrpSpPr>
+      <p:grpSpPr>
+        <a:xfrm>
+          <a:off x="0" y="0"/>
+          <a:ext cx="0" cy="0"/>
+          <a:chOff x="0" y="0"/>
+          <a:chExt cx="0" cy="0"/>
+        </a:xfrm>
+      </p:grpSpPr>
+      <p:sp>
+        <p:nvSpPr>
+          <p:cNvPr id="3" name="Title 2"/>
+          <p:cNvSpPr>
+            <a:spLocks noGrp="1"/>
+          </p:cNvSpPr>
+          <p:nvPr>
+            <p:ph type="title"/>
+          </p:nvPr>
+        </p:nvSpPr>
+        <p:spPr>
+          <a:xfrm>
+            <a:off x="655637" y="373062"/>
+            <a:ext cx="8705533" cy="1537069"/>
+          </a:xfrm>
+        </p:spPr>
+        <p:txBody>
+          <a:bodyPr>
+            <a:normAutofit fontScale="90000"/>
+          </a:bodyPr>
+          <a:lstStyle/>
+          <a:p>
+            <a:r>
+              <a:rPr lang="es-ES" sz="5400" b="1" spc="0" dirty="0" smtClean="0">
+                <a:ln w="9525">
+                  <a:solidFill>
+                    <a:schemeClr val="accent1">
+                      <a:lumMod val="50000"/>
+                    </a:schemeClr>
+                  </a:solidFill>
+                  <a:prstDash val="solid"/>
+                </a:ln>
+                <a:solidFill>
+                  <a:schemeClr val="bg1"/>
+                </a:solidFill>
+                <a:latin typeface="Segoe UI Light" panose="020B0502040204020203" pitchFamily="34" charset="0"/>
+                <a:cs typeface="Segoe UI Light" panose="020B0502040204020203" pitchFamily="34" charset="0"/>
+              </a:rPr>
+              <a:t>¿Cómo puedo hacer una app?</a:t>
+            </a:r>
+            <a:endParaRPr lang="en-US" sz="5400" b="1" spc="0" dirty="0">
+              <a:ln w="9525">
+                <a:solidFill>
+                  <a:schemeClr val="accent1">
+                    <a:lumMod val="50000"/>
+                  </a:schemeClr>
+                </a:solidFill>
+                <a:prstDash val="solid"/>
+              </a:ln>
+              <a:solidFill>
+                <a:schemeClr val="bg1"/>
+              </a:solidFill>
+              <a:latin typeface="Segoe UI Light" panose="020B0502040204020203" pitchFamily="34" charset="0"/>
+              <a:cs typeface="Segoe UI Light" panose="020B0502040204020203" pitchFamily="34" charset="0"/>
+            </a:endParaRPr>
+          </a:p>
+        </p:txBody>
+      </p:sp>
+      <p:sp>
+        <p:nvSpPr>
+          <p:cNvPr id="2" name="Text Placeholder 1"/>
+          <p:cNvSpPr>
+            <a:spLocks noGrp="1"/>
+          </p:cNvSpPr>
+          <p:nvPr>
+            <p:ph idx="1"/>
+          </p:nvPr>
+        </p:nvSpPr>
+        <p:spPr>
+          <a:xfrm>
+            <a:off x="884237" y="1516062"/>
+            <a:ext cx="11887200" cy="4530471"/>
+          </a:xfrm>
+        </p:spPr>
+        <p:txBody>
+          <a:bodyPr>
+            <a:normAutofit lnSpcReduction="10000"/>
+          </a:bodyPr>
+          <a:lstStyle/>
+          <a:p>
+            <a:r>
+              <a:rPr lang="es-ES" sz="3200" dirty="0" err="1" smtClean="0"/>
+              <a:t>Packaged</a:t>
+            </a:r>
+            <a:r>
+              <a:rPr lang="es-ES" sz="3200" dirty="0" smtClean="0"/>
+              <a:t> web apps</a:t>
+            </a:r>
+          </a:p>
+          <a:p>
+            <a:pPr lvl="1"/>
+            <a:r>
+              <a:rPr lang="en-US" sz="2996" dirty="0" smtClean="0"/>
+              <a:t>El archive .</a:t>
+            </a:r>
+            <a:r>
+              <a:rPr lang="en-US" sz="2996" dirty="0" err="1" smtClean="0"/>
+              <a:t>appx</a:t>
+            </a:r>
+            <a:r>
+              <a:rPr lang="en-US" sz="2996" dirty="0" smtClean="0"/>
+              <a:t> </a:t>
+            </a:r>
+            <a:r>
+              <a:rPr lang="en-US" sz="2996" dirty="0" err="1" smtClean="0"/>
+              <a:t>contiene</a:t>
+            </a:r>
+            <a:r>
+              <a:rPr lang="en-US" sz="2996" dirty="0" smtClean="0"/>
+              <a:t> </a:t>
+            </a:r>
+            <a:r>
+              <a:rPr lang="en-US" sz="2996" dirty="0" err="1" smtClean="0"/>
+              <a:t>nuestros</a:t>
+            </a:r>
+            <a:r>
+              <a:rPr lang="en-US" sz="2996" dirty="0" smtClean="0"/>
+              <a:t> .html, .</a:t>
+            </a:r>
+            <a:r>
+              <a:rPr lang="en-US" sz="2996" dirty="0" err="1" smtClean="0"/>
+              <a:t>js</a:t>
+            </a:r>
+            <a:r>
+              <a:rPr lang="en-US" sz="2996" dirty="0" smtClean="0"/>
+              <a:t>, .</a:t>
+            </a:r>
+            <a:r>
+              <a:rPr lang="en-US" sz="2996" dirty="0" err="1" smtClean="0"/>
+              <a:t>css</a:t>
+            </a:r>
+            <a:r>
+              <a:rPr lang="en-US" sz="2996" dirty="0" smtClean="0"/>
+              <a:t> …</a:t>
+            </a:r>
+          </a:p>
+          <a:p>
+            <a:pPr lvl="1"/>
+            <a:endParaRPr lang="en-US" sz="2996" dirty="0"/>
+          </a:p>
+          <a:p>
+            <a:r>
+              <a:rPr lang="en-US" sz="3200" dirty="0" smtClean="0"/>
+              <a:t>Hosted web apps</a:t>
+            </a:r>
+          </a:p>
+          <a:p>
+            <a:pPr lvl="1"/>
+            <a:r>
+              <a:rPr lang="en-US" sz="2996" dirty="0" smtClean="0"/>
+              <a:t>Los </a:t>
+            </a:r>
+            <a:r>
+              <a:rPr lang="en-US" sz="2996" dirty="0" err="1" smtClean="0"/>
+              <a:t>archivos</a:t>
+            </a:r>
+            <a:r>
+              <a:rPr lang="en-US" sz="2996" dirty="0" smtClean="0"/>
+              <a:t> </a:t>
+            </a:r>
+            <a:r>
+              <a:rPr lang="en-US" sz="2996" dirty="0" err="1" smtClean="0"/>
+              <a:t>estan</a:t>
+            </a:r>
+            <a:r>
+              <a:rPr lang="en-US" sz="2996" dirty="0" smtClean="0"/>
+              <a:t> </a:t>
+            </a:r>
+            <a:r>
+              <a:rPr lang="en-US" sz="2996" dirty="0" err="1" smtClean="0"/>
+              <a:t>en</a:t>
+            </a:r>
+            <a:r>
+              <a:rPr lang="en-US" sz="2996" dirty="0" smtClean="0"/>
+              <a:t> un </a:t>
+            </a:r>
+            <a:r>
+              <a:rPr lang="en-US" sz="2996" dirty="0" err="1" smtClean="0"/>
+              <a:t>servidor</a:t>
+            </a:r>
+            <a:r>
+              <a:rPr lang="en-US" sz="2996" dirty="0" smtClean="0"/>
+              <a:t> </a:t>
+            </a:r>
+            <a:r>
+              <a:rPr lang="en-US" sz="2996" dirty="0" err="1" smtClean="0"/>
+              <a:t>propio</a:t>
+            </a:r>
+            <a:endParaRPr lang="en-US" sz="2996" dirty="0" smtClean="0"/>
+          </a:p>
+          <a:p>
+            <a:endParaRPr lang="en-US" sz="3200" dirty="0"/>
+          </a:p>
+          <a:p>
+            <a:r>
+              <a:rPr lang="en-US" sz="3200" dirty="0" smtClean="0"/>
+              <a:t>Embedded web apps</a:t>
+            </a:r>
+            <a:endParaRPr lang="es-ES" sz="2800" dirty="0"/>
+          </a:p>
+          <a:p>
+            <a:pPr lvl="1"/>
+            <a:r>
+              <a:rPr lang="en-US" sz="2996" dirty="0" err="1" smtClean="0"/>
+              <a:t>Aplicación</a:t>
+            </a:r>
+            <a:r>
+              <a:rPr lang="en-US" sz="2996" dirty="0" smtClean="0"/>
+              <a:t> </a:t>
+            </a:r>
+            <a:r>
+              <a:rPr lang="en-US" sz="2996" dirty="0" err="1" smtClean="0"/>
+              <a:t>nativa</a:t>
+            </a:r>
+            <a:r>
+              <a:rPr lang="en-US" sz="2996" dirty="0" smtClean="0"/>
+              <a:t> con </a:t>
+            </a:r>
+            <a:r>
+              <a:rPr lang="en-US" sz="2996" dirty="0" err="1" smtClean="0"/>
+              <a:t>webviews</a:t>
+            </a:r>
+            <a:endParaRPr lang="es-ES" sz="2996" dirty="0" smtClean="0"/>
+          </a:p>
+        </p:txBody>
+      </p:sp>
+    </p:spTree>
+    <p:extLst>
+      <p:ext uri="{BB962C8B-B14F-4D97-AF65-F5344CB8AC3E}">
+        <p14:creationId xmlns:p14="http://schemas.microsoft.com/office/powerpoint/2010/main" val="1048328568"/>
+      </p:ext>
+    </p:extLst>
+  </p:cSld>
+  <p:clrMapOvr>
+    <a:masterClrMapping/>
+  </p:clrMapOvr>
+  <mc:AlternateContent xmlns:mc="http://schemas.openxmlformats.org/markup-compatibility/2006" xmlns:p14="http://schemas.microsoft.com/office/powerpoint/2010/main">
+    <mc:Choice Requires="p14">
+      <p:transition spd="slow" p14:dur="2000">
+        <p14:prism isContent="1"/>
+      </p:transition>
+    </mc:Choice>
+    <mc:Fallback xmlns="">
+      <p:transition spd="slow">
+        <p:fade/>
+      </p:transition>
+    </mc:Fallback>
+  </mc:AlternateContent>
+  <p:timing>
+    <p:tnLst>
+      <p:par>
+        <p:cTn id="1" dur="indefinite" restart="never" nodeType="tmRoot"/>
+      </p:par>
+    </p:tnLst>
+  </p:timing>
+</p:sld>
+</file>
+
+<file path=ppt/slides/slide7.xml><?xml version="1.0" encoding="utf-8"?>
+<p:sld xmlns:a="http://schemas.openxmlformats.org/drawingml/2006/main" xmlns:r="http://schemas.openxmlformats.org/officeDocument/2006/relationships" xmlns:p="http://schemas.openxmlformats.org/presentationml/2006/main">
+  <p:cSld>
+    <p:bg>
+      <p:bgPr>
+        <a:gradFill>
+          <a:gsLst>
+            <a:gs pos="100000">
+              <a:schemeClr val="accent1">
+                <a:lumMod val="75000"/>
+              </a:schemeClr>
+            </a:gs>
+            <a:gs pos="0">
+              <a:schemeClr val="accent1">
+                <a:lumMod val="50000"/>
+              </a:schemeClr>
+            </a:gs>
+          </a:gsLst>
+          <a:lin ang="18900000" scaled="1"/>
+        </a:gradFill>
+        <a:effectLst/>
+      </p:bgPr>
+    </p:bg>
+    <p:spTree>
+      <p:nvGrpSpPr>
+        <p:cNvPr id="1" name=""/>
+        <p:cNvGrpSpPr/>
+        <p:nvPr/>
+      </p:nvGrpSpPr>
+      <p:grpSpPr>
+        <a:xfrm>
+          <a:off x="0" y="0"/>
+          <a:ext cx="0" cy="0"/>
+          <a:chOff x="0" y="0"/>
+          <a:chExt cx="0" cy="0"/>
+        </a:xfrm>
+      </p:grpSpPr>
+      <p:sp>
+        <p:nvSpPr>
+          <p:cNvPr id="3" name="Title 2"/>
+          <p:cNvSpPr>
+            <a:spLocks noGrp="1"/>
+          </p:cNvSpPr>
+          <p:nvPr>
+            <p:ph type="title"/>
+          </p:nvPr>
+        </p:nvSpPr>
+        <p:spPr>
+          <a:xfrm>
+            <a:off x="3734449" y="2659062"/>
+            <a:ext cx="8705533" cy="1537069"/>
+          </a:xfrm>
+        </p:spPr>
+        <p:txBody>
+          <a:bodyPr>
+            <a:normAutofit/>
+          </a:bodyPr>
+          <a:lstStyle/>
+          <a:p>
+            <a:r>
+              <a:rPr lang="es-ES" sz="5400" b="1" dirty="0" smtClean="0">
+                <a:ln w="9525">
+                  <a:solidFill>
+                    <a:schemeClr val="accent1">
+                      <a:lumMod val="50000"/>
+                    </a:schemeClr>
+                  </a:solidFill>
+                  <a:prstDash val="solid"/>
+                </a:ln>
+                <a:solidFill>
+                  <a:schemeClr val="bg1"/>
+                </a:solidFill>
+                <a:latin typeface="Segoe UI Light" panose="020B0502040204020203" pitchFamily="34" charset="0"/>
+                <a:cs typeface="Segoe UI Light" panose="020B0502040204020203" pitchFamily="34" charset="0"/>
+              </a:rPr>
+              <a:t>¡</a:t>
+            </a:r>
+            <a:r>
+              <a:rPr lang="es-ES" sz="5400" b="1" spc="0" dirty="0" smtClean="0">
+                <a:ln w="9525">
+                  <a:solidFill>
+                    <a:schemeClr val="accent1">
+                      <a:lumMod val="50000"/>
+                    </a:schemeClr>
+                  </a:solidFill>
+                  <a:prstDash val="solid"/>
+                </a:ln>
+                <a:solidFill>
+                  <a:schemeClr val="bg1"/>
+                </a:solidFill>
+                <a:latin typeface="Segoe UI Light" panose="020B0502040204020203" pitchFamily="34" charset="0"/>
+                <a:cs typeface="Segoe UI Light" panose="020B0502040204020203" pitchFamily="34" charset="0"/>
+              </a:rPr>
+              <a:t>Demo time!</a:t>
+            </a:r>
+            <a:endParaRPr lang="en-US" sz="5400" b="1" spc="0" dirty="0">
+              <a:ln w="9525">
+                <a:solidFill>
+                  <a:schemeClr val="accent1">
+                    <a:lumMod val="50000"/>
+                  </a:schemeClr>
+                </a:solidFill>
+                <a:prstDash val="solid"/>
+              </a:ln>
+              <a:solidFill>
+                <a:schemeClr val="bg1"/>
+              </a:solidFill>
+              <a:latin typeface="Segoe UI Light" panose="020B0502040204020203" pitchFamily="34" charset="0"/>
+              <a:cs typeface="Segoe UI Light" panose="020B0502040204020203" pitchFamily="34" charset="0"/>
+            </a:endParaRPr>
+          </a:p>
+        </p:txBody>
+      </p:sp>
+    </p:spTree>
+    <p:extLst>
+      <p:ext uri="{BB962C8B-B14F-4D97-AF65-F5344CB8AC3E}">
+        <p14:creationId xmlns:p14="http://schemas.microsoft.com/office/powerpoint/2010/main" val="1647337142"/>
+      </p:ext>
+    </p:extLst>
+  </p:cSld>
+  <p:clrMapOvr>
+    <a:masterClrMapping/>
+  </p:clrMapOvr>
+  <mc:AlternateContent xmlns:mc="http://schemas.openxmlformats.org/markup-compatibility/2006" xmlns:p14="http://schemas.microsoft.com/office/powerpoint/2010/main">
+    <mc:Choice Requires="p14">
+      <p:transition spd="slow" p14:dur="2000">
+        <p14:prism isContent="1"/>
+      </p:transition>
+    </mc:Choice>
+    <mc:Fallback xmlns="">
+      <p:transition spd="slow">
+        <p:fade/>
+      </p:transition>
+    </mc:Fallback>
+  </mc:AlternateContent>
+  <p:timing>
+    <p:tnLst>
+      <p:par>
+        <p:cTn id="1" dur="indefinite" restart="never" nodeType="tmRoot"/>
+      </p:par>
+    </p:tnLst>
+  </p:timing>
+</p:sld>
+</file>
+
+<file path=ppt/slides/slide8.xml><?xml version="1.0" encoding="utf-8"?>
+<p:sld xmlns:a="http://schemas.openxmlformats.org/drawingml/2006/main" xmlns:r="http://schemas.openxmlformats.org/officeDocument/2006/relationships" xmlns:p="http://schemas.openxmlformats.org/presentationml/2006/main">
+  <p:cSld>
+    <p:bg>
+      <p:bgPr>
+        <a:solidFill>
+          <a:srgbClr val="00B294"/>
+        </a:solidFill>
+        <a:effectLst/>
+      </p:bgPr>
+    </p:bg>
+    <p:spTree>
+      <p:nvGrpSpPr>
+        <p:cNvPr id="1" name=""/>
+        <p:cNvGrpSpPr/>
+        <p:nvPr/>
+      </p:nvGrpSpPr>
+      <p:grpSpPr>
+        <a:xfrm>
+          <a:off x="0" y="0"/>
+          <a:ext cx="0" cy="0"/>
+          <a:chOff x="0" y="0"/>
+          <a:chExt cx="0" cy="0"/>
+        </a:xfrm>
+      </p:grpSpPr>
+      <p:pic>
+        <p:nvPicPr>
+          <p:cNvPr id="3" name="Picture 2"/>
+          <p:cNvPicPr>
+            <a:picLocks noChangeAspect="1"/>
+          </p:cNvPicPr>
+          <p:nvPr/>
+        </p:nvPicPr>
+        <p:blipFill rotWithShape="1">
+          <a:blip r:embed="rId3" cstate="screen">
+            <a:extLst>
+              <a:ext uri="{28A0092B-C50C-407E-A947-70E740481C1C}">
+                <a14:useLocalDpi xmlns:a14="http://schemas.microsoft.com/office/drawing/2010/main"/>
+              </a:ext>
+            </a:extLst>
+          </a:blip>
+          <a:srcRect l="11707" t="15766" r="9343" b="21048"/>
+          <a:stretch/>
+        </p:blipFill>
+        <p:spPr>
+          <a:xfrm>
+            <a:off x="76095" y="1374213"/>
+            <a:ext cx="4176407" cy="4325565"/>
+          </a:xfrm>
+          <a:prstGeom prst="rect">
+            <a:avLst/>
+          </a:prstGeom>
+        </p:spPr>
+      </p:pic>
+      <p:sp>
+        <p:nvSpPr>
+          <p:cNvPr id="5" name="Text Placeholder 4"/>
+          <p:cNvSpPr>
+            <a:spLocks noGrp="1"/>
+          </p:cNvSpPr>
+          <p:nvPr>
+            <p:ph type="body" sz="quarter" idx="10"/>
+          </p:nvPr>
+        </p:nvSpPr>
+        <p:spPr>
+          <a:xfrm>
+            <a:off x="4252502" y="1934310"/>
+            <a:ext cx="8031208" cy="5113426"/>
+          </a:xfrm>
+        </p:spPr>
+        <p:txBody>
+          <a:bodyPr/>
+          <a:lstStyle/>
+          <a:p>
+            <a:pPr>
+              <a:spcAft>
+                <a:spcPts val="1199"/>
+              </a:spcAft>
+            </a:pPr>
+            <a:r>
+              <a:rPr lang="en-US" sz="4800" dirty="0" smtClean="0">
+                <a:solidFill>
+                  <a:schemeClr val="bg1"/>
+                </a:solidFill>
+              </a:rPr>
+              <a:t>msdn.com</a:t>
+            </a:r>
+          </a:p>
+          <a:p>
+            <a:pPr>
+              <a:spcAft>
+                <a:spcPts val="1199"/>
+              </a:spcAft>
+            </a:pPr>
+            <a:r>
+              <a:rPr lang="en-US" sz="4800" dirty="0" smtClean="0">
+                <a:solidFill>
+                  <a:schemeClr val="bg1"/>
+                </a:solidFill>
+              </a:rPr>
+              <a:t>channel9.msdn.com</a:t>
+            </a:r>
+          </a:p>
+          <a:p>
+            <a:pPr>
+              <a:spcAft>
+                <a:spcPts val="1199"/>
+              </a:spcAft>
+            </a:pPr>
+            <a:r>
+              <a:rPr lang="en-US" sz="4800" dirty="0" smtClean="0">
+                <a:solidFill>
+                  <a:schemeClr val="bg1"/>
+                </a:solidFill>
+              </a:rPr>
+              <a:t>insider.windows.com</a:t>
+            </a:r>
+          </a:p>
+        </p:txBody>
+      </p:sp>
+      <p:sp>
+        <p:nvSpPr>
+          <p:cNvPr id="2" name="Title 1"/>
+          <p:cNvSpPr>
+            <a:spLocks noGrp="1"/>
+          </p:cNvSpPr>
+          <p:nvPr>
+            <p:ph type="title"/>
+          </p:nvPr>
+        </p:nvSpPr>
+        <p:spPr/>
+        <p:txBody>
+          <a:bodyPr/>
+          <a:lstStyle/>
+          <a:p>
+            <a:r>
+              <a:rPr lang="en-US" dirty="0" err="1" smtClean="0">
+                <a:gradFill>
+                  <a:gsLst>
+                    <a:gs pos="1250">
+                      <a:schemeClr val="bg1"/>
+                    </a:gs>
+                    <a:gs pos="100000">
+                      <a:schemeClr val="bg1"/>
+                    </a:gs>
+                  </a:gsLst>
+                  <a:lin ang="5400000" scaled="0"/>
+                </a:gradFill>
+              </a:rPr>
+              <a:t>Recursos</a:t>
+            </a:r>
+            <a:endParaRPr lang="en-US" dirty="0">
+              <a:gradFill>
+                <a:gsLst>
+                  <a:gs pos="1250">
+                    <a:schemeClr val="bg1"/>
+                  </a:gs>
+                  <a:gs pos="100000">
+                    <a:schemeClr val="bg1"/>
+                  </a:gs>
+                </a:gsLst>
+                <a:lin ang="5400000" scaled="0"/>
+              </a:gradFill>
+            </a:endParaRPr>
+          </a:p>
+        </p:txBody>
+      </p:sp>
+      <p:sp>
+        <p:nvSpPr>
+          <p:cNvPr id="4" name="Rectangle 3"/>
+          <p:cNvSpPr/>
+          <p:nvPr/>
+        </p:nvSpPr>
+        <p:spPr>
+          <a:xfrm>
+            <a:off x="4313507" y="-1379342"/>
+            <a:ext cx="6215769" cy="659198"/>
+          </a:xfrm>
+          <a:prstGeom prst="rect">
+            <a:avLst/>
+          </a:prstGeom>
+        </p:spPr>
+        <p:txBody>
+          <a:bodyPr>
+            <a:spAutoFit/>
+          </a:bodyPr>
+          <a:lstStyle/>
+          <a:p>
+            <a:pPr defTabSz="932563"/>
+            <a:r>
+              <a:rPr lang="en-US" dirty="0">
+                <a:solidFill>
+                  <a:srgbClr val="404040"/>
+                </a:solidFill>
+              </a:rPr>
+              <a:t>Reference talks by Sam, Elio, Clemens and any of the ASA talks, at least.</a:t>
+            </a:r>
+          </a:p>
+        </p:txBody>
+      </p:sp>
+    </p:spTree>
+    <p:extLst>
+      <p:ext uri="{BB962C8B-B14F-4D97-AF65-F5344CB8AC3E}">
+        <p14:creationId xmlns:p14="http://schemas.microsoft.com/office/powerpoint/2010/main" val="4120967876"/>
+      </p:ext>
+    </p:extLst>
+  </p:cSld>
+  <p:clrMapOvr>
+    <a:masterClrMapping/>
+  </p:clrMapOvr>
+  <mc:AlternateContent xmlns:mc="http://schemas.openxmlformats.org/markup-compatibility/2006" xmlns:p14="http://schemas.microsoft.com/office/powerpoint/2010/main">
+    <mc:Choice Requires="p14">
+      <p:transition spd="slow" p14:dur="2000">
+        <p14:ferris dir="l"/>
+      </p:transition>
+    </mc:Choice>
+    <mc:Fallback xmlns="">
+      <p:transition spd="slow">
+        <p:fade/>
+      </p:transition>
+    </mc:Fallback>
+  </mc:AlternateContent>
+  <p:timing>
+    <p:tnLst>
+      <p:par>
+        <p:cTn id="1" dur="indefinite" restart="never" nodeType="tmRoot"/>
+      </p:par>
+    </p:tnLst>
+  </p:timing>
+</p:sld>
+</file>
+
+<file path=ppt/slides/slide9.xml><?xml version="1.0" encoding="utf-8"?>
 <p:sld xmlns:a="http://schemas.openxmlformats.org/drawingml/2006/main" xmlns:r="http://schemas.openxmlformats.org/officeDocument/2006/relationships" xmlns:p="http://schemas.openxmlformats.org/presentationml/2006/main">
   <p:cSld>
     <p:bg>
@@ -40794,8 +42858,8 @@
         </p:nvSpPr>
         <p:spPr>
           <a:xfrm>
-            <a:off x="4253226" y="4335462"/>
-            <a:ext cx="3244221" cy="1569660"/>
+            <a:off x="2174420" y="4335462"/>
+            <a:ext cx="7401833" cy="1569660"/>
           </a:xfrm>
           <a:prstGeom prst="rect">
             <a:avLst/>
@@ -40812,14 +42876,11 @@
               <a:rPr lang="es-ES" sz="3200" dirty="0">
                 <a:latin typeface="Segoe UI" panose="020B0502040204020203" pitchFamily="34" charset="0"/>
               </a:rPr>
-              <a:t>c</a:t>
-            </a:r>
-            <a:r>
-              <a:rPr lang="es-ES" sz="3200" dirty="0" smtClean="0">
-                <a:latin typeface="Segoe UI" panose="020B0502040204020203" pitchFamily="34" charset="0"/>
-              </a:rPr>
-              <a:t>lockwork.js.org</a:t>
-            </a:r>
+              <a:t>https://github.com/UamNet/TechTalks</a:t>
+            </a:r>
+            <a:endParaRPr lang="es-ES" sz="3200" dirty="0" smtClean="0">
+              <a:latin typeface="Segoe UI" panose="020B0502040204020203" pitchFamily="34" charset="0"/>
+            </a:endParaRPr>
           </a:p>
           <a:p>
             <a:pPr algn="ctr"/>
@@ -40830,16 +42891,16 @@
           <a:p>
             <a:pPr algn="ctr"/>
             <a:r>
+              <a:rPr lang="es-ES" sz="3200" dirty="0" smtClean="0">
+                <a:latin typeface="Segoe UI" panose="020B0502040204020203" pitchFamily="34" charset="0"/>
+              </a:rPr>
+              <a:t>https</a:t>
+            </a:r>
+            <a:r>
               <a:rPr lang="es-ES" sz="3200" dirty="0">
                 <a:latin typeface="Segoe UI" panose="020B0502040204020203" pitchFamily="34" charset="0"/>
               </a:rPr>
-              <a:t>s</a:t>
-            </a:r>
-            <a:r>
-              <a:rPr lang="es-ES" sz="3200" dirty="0" smtClean="0">
-                <a:latin typeface="Segoe UI" panose="020B0502040204020203" pitchFamily="34" charset="0"/>
-              </a:rPr>
-              <a:t>pritesheet.js.org</a:t>
+              <a:t>://github.com/arcadiogarcia/Lab13</a:t>
             </a:r>
             <a:endParaRPr lang="en-US" sz="3200" dirty="0" smtClean="0">
               <a:latin typeface="Segoe UI" panose="020B0502040204020203" pitchFamily="34" charset="0"/>
